--- a/Presentation.pptx
+++ b/Presentation.pptx
@@ -177,7 +177,7 @@
           <a:noFill/>
           <a:extLst>
             <a:ext uri="{909E8E84-426E-40dd-AFC4-6F175D3DCCD1}">
-              <a14:hiddenFill xmlns="" xmlns:a14="http://schemas.microsoft.com/office/drawing/2010/main">
+              <a14:hiddenFill xmlns:a14="http://schemas.microsoft.com/office/drawing/2010/main" xmlns="">
                 <a:solidFill>
                   <a:srgbClr val="FFFFFF"/>
                 </a:solidFill>
@@ -236,7 +236,7 @@
             </a:ln>
             <a:extLst>
               <a:ext uri="{91240B29-F687-4f45-9708-019B960494DF}">
-                <a14:hiddenLine xmlns="" xmlns:a14="http://schemas.microsoft.com/office/drawing/2010/main" w="9525">
+                <a14:hiddenLine xmlns:a14="http://schemas.microsoft.com/office/drawing/2010/main" xmlns="" w="9525">
                   <a:solidFill>
                     <a:srgbClr val="000000"/>
                   </a:solidFill>
@@ -326,7 +326,7 @@
             </a:ln>
             <a:extLst>
               <a:ext uri="{91240B29-F687-4f45-9708-019B960494DF}">
-                <a14:hiddenLine xmlns="" xmlns:a14="http://schemas.microsoft.com/office/drawing/2010/main" w="9525">
+                <a14:hiddenLine xmlns:a14="http://schemas.microsoft.com/office/drawing/2010/main" xmlns="" w="9525">
                   <a:solidFill>
                     <a:srgbClr val="000000"/>
                   </a:solidFill>
@@ -416,7 +416,7 @@
             </a:ln>
             <a:extLst>
               <a:ext uri="{91240B29-F687-4f45-9708-019B960494DF}">
-                <a14:hiddenLine xmlns="" xmlns:a14="http://schemas.microsoft.com/office/drawing/2010/main" w="9525">
+                <a14:hiddenLine xmlns:a14="http://schemas.microsoft.com/office/drawing/2010/main" xmlns="" w="9525">
                   <a:solidFill>
                     <a:srgbClr val="000000"/>
                   </a:solidFill>
@@ -450,7 +450,7 @@
             </a:ln>
             <a:extLst>
               <a:ext uri="{91240B29-F687-4f45-9708-019B960494DF}">
-                <a14:hiddenLine xmlns="" xmlns:a14="http://schemas.microsoft.com/office/drawing/2010/main" w="9525">
+                <a14:hiddenLine xmlns:a14="http://schemas.microsoft.com/office/drawing/2010/main" xmlns="" w="9525">
                   <a:solidFill>
                     <a:srgbClr val="000000"/>
                   </a:solidFill>
@@ -540,7 +540,7 @@
             </a:ln>
             <a:extLst>
               <a:ext uri="{91240B29-F687-4f45-9708-019B960494DF}">
-                <a14:hiddenLine xmlns="" xmlns:a14="http://schemas.microsoft.com/office/drawing/2010/main" w="9525">
+                <a14:hiddenLine xmlns:a14="http://schemas.microsoft.com/office/drawing/2010/main" xmlns="" w="9525">
                   <a:solidFill>
                     <a:srgbClr val="000000"/>
                   </a:solidFill>
@@ -602,7 +602,7 @@
             </a:ln>
             <a:extLst>
               <a:ext uri="{91240B29-F687-4f45-9708-019B960494DF}">
-                <a14:hiddenLine xmlns="" xmlns:a14="http://schemas.microsoft.com/office/drawing/2010/main" w="9525">
+                <a14:hiddenLine xmlns:a14="http://schemas.microsoft.com/office/drawing/2010/main" xmlns="" w="9525">
                   <a:solidFill>
                     <a:srgbClr val="000000"/>
                   </a:solidFill>
@@ -664,7 +664,7 @@
             </a:ln>
             <a:extLst>
               <a:ext uri="{91240B29-F687-4f45-9708-019B960494DF}">
-                <a14:hiddenLine xmlns="" xmlns:a14="http://schemas.microsoft.com/office/drawing/2010/main" w="9525">
+                <a14:hiddenLine xmlns:a14="http://schemas.microsoft.com/office/drawing/2010/main" xmlns="" w="9525">
                   <a:solidFill>
                     <a:srgbClr val="000000"/>
                   </a:solidFill>
@@ -754,7 +754,7 @@
             </a:ln>
             <a:extLst>
               <a:ext uri="{91240B29-F687-4f45-9708-019B960494DF}">
-                <a14:hiddenLine xmlns="" xmlns:a14="http://schemas.microsoft.com/office/drawing/2010/main" w="9525">
+                <a14:hiddenLine xmlns:a14="http://schemas.microsoft.com/office/drawing/2010/main" xmlns="" w="9525">
                   <a:solidFill>
                     <a:srgbClr val="000000"/>
                   </a:solidFill>
@@ -816,7 +816,7 @@
             </a:ln>
             <a:extLst>
               <a:ext uri="{91240B29-F687-4f45-9708-019B960494DF}">
-                <a14:hiddenLine xmlns="" xmlns:a14="http://schemas.microsoft.com/office/drawing/2010/main" w="9525">
+                <a14:hiddenLine xmlns:a14="http://schemas.microsoft.com/office/drawing/2010/main" xmlns="" w="9525">
                   <a:solidFill>
                     <a:srgbClr val="000000"/>
                   </a:solidFill>
@@ -878,7 +878,7 @@
             </a:ln>
             <a:extLst>
               <a:ext uri="{91240B29-F687-4f45-9708-019B960494DF}">
-                <a14:hiddenLine xmlns="" xmlns:a14="http://schemas.microsoft.com/office/drawing/2010/main" w="9525">
+                <a14:hiddenLine xmlns:a14="http://schemas.microsoft.com/office/drawing/2010/main" xmlns="" w="9525">
                   <a:solidFill>
                     <a:srgbClr val="000000"/>
                   </a:solidFill>
@@ -968,7 +968,7 @@
             </a:ln>
             <a:extLst>
               <a:ext uri="{91240B29-F687-4f45-9708-019B960494DF}">
-                <a14:hiddenLine xmlns="" xmlns:a14="http://schemas.microsoft.com/office/drawing/2010/main" w="9525">
+                <a14:hiddenLine xmlns:a14="http://schemas.microsoft.com/office/drawing/2010/main" xmlns="" w="9525">
                   <a:solidFill>
                     <a:srgbClr val="000000"/>
                   </a:solidFill>
@@ -1058,7 +1058,7 @@
             </a:ln>
             <a:extLst>
               <a:ext uri="{91240B29-F687-4f45-9708-019B960494DF}">
-                <a14:hiddenLine xmlns="" xmlns:a14="http://schemas.microsoft.com/office/drawing/2010/main" w="9525">
+                <a14:hiddenLine xmlns:a14="http://schemas.microsoft.com/office/drawing/2010/main" xmlns="" w="9525">
                   <a:solidFill>
                     <a:srgbClr val="000000"/>
                   </a:solidFill>
@@ -1120,7 +1120,7 @@
             </a:ln>
             <a:extLst>
               <a:ext uri="{91240B29-F687-4f45-9708-019B960494DF}">
-                <a14:hiddenLine xmlns="" xmlns:a14="http://schemas.microsoft.com/office/drawing/2010/main" w="9525">
+                <a14:hiddenLine xmlns:a14="http://schemas.microsoft.com/office/drawing/2010/main" xmlns="" w="9525">
                   <a:solidFill>
                     <a:srgbClr val="000000"/>
                   </a:solidFill>
@@ -1230,7 +1230,7 @@
             </a:ln>
             <a:extLst>
               <a:ext uri="{91240B29-F687-4f45-9708-019B960494DF}">
-                <a14:hiddenLine xmlns="" xmlns:a14="http://schemas.microsoft.com/office/drawing/2010/main" w="9525">
+                <a14:hiddenLine xmlns:a14="http://schemas.microsoft.com/office/drawing/2010/main" xmlns="" w="9525">
                   <a:solidFill>
                     <a:srgbClr val="000000"/>
                   </a:solidFill>
@@ -1292,7 +1292,7 @@
             </a:ln>
             <a:extLst>
               <a:ext uri="{91240B29-F687-4f45-9708-019B960494DF}">
-                <a14:hiddenLine xmlns="" xmlns:a14="http://schemas.microsoft.com/office/drawing/2010/main" w="9525">
+                <a14:hiddenLine xmlns:a14="http://schemas.microsoft.com/office/drawing/2010/main" xmlns="" w="9525">
                   <a:solidFill>
                     <a:srgbClr val="000000"/>
                   </a:solidFill>
@@ -1382,7 +1382,7 @@
             </a:ln>
             <a:extLst>
               <a:ext uri="{91240B29-F687-4f45-9708-019B960494DF}">
-                <a14:hiddenLine xmlns="" xmlns:a14="http://schemas.microsoft.com/office/drawing/2010/main" w="9525">
+                <a14:hiddenLine xmlns:a14="http://schemas.microsoft.com/office/drawing/2010/main" xmlns="" w="9525">
                   <a:solidFill>
                     <a:srgbClr val="000000"/>
                   </a:solidFill>
@@ -1472,7 +1472,7 @@
             </a:ln>
             <a:extLst>
               <a:ext uri="{91240B29-F687-4f45-9708-019B960494DF}">
-                <a14:hiddenLine xmlns="" xmlns:a14="http://schemas.microsoft.com/office/drawing/2010/main" w="9525">
+                <a14:hiddenLine xmlns:a14="http://schemas.microsoft.com/office/drawing/2010/main" xmlns="" w="9525">
                   <a:solidFill>
                     <a:srgbClr val="000000"/>
                   </a:solidFill>
@@ -1534,7 +1534,7 @@
             </a:ln>
             <a:extLst>
               <a:ext uri="{91240B29-F687-4f45-9708-019B960494DF}">
-                <a14:hiddenLine xmlns="" xmlns:a14="http://schemas.microsoft.com/office/drawing/2010/main" w="9525">
+                <a14:hiddenLine xmlns:a14="http://schemas.microsoft.com/office/drawing/2010/main" xmlns="" w="9525">
                   <a:solidFill>
                     <a:srgbClr val="000000"/>
                   </a:solidFill>
@@ -1624,7 +1624,7 @@
             </a:ln>
             <a:extLst>
               <a:ext uri="{91240B29-F687-4f45-9708-019B960494DF}">
-                <a14:hiddenLine xmlns="" xmlns:a14="http://schemas.microsoft.com/office/drawing/2010/main" w="9525">
+                <a14:hiddenLine xmlns:a14="http://schemas.microsoft.com/office/drawing/2010/main" xmlns="" w="9525">
                   <a:solidFill>
                     <a:srgbClr val="000000"/>
                   </a:solidFill>
@@ -1714,7 +1714,7 @@
             </a:ln>
             <a:extLst>
               <a:ext uri="{91240B29-F687-4f45-9708-019B960494DF}">
-                <a14:hiddenLine xmlns="" xmlns:a14="http://schemas.microsoft.com/office/drawing/2010/main" w="9525">
+                <a14:hiddenLine xmlns:a14="http://schemas.microsoft.com/office/drawing/2010/main" xmlns="" w="9525">
                   <a:solidFill>
                     <a:srgbClr val="000000"/>
                   </a:solidFill>
@@ -1770,7 +1770,7 @@
             </a:ln>
             <a:extLst>
               <a:ext uri="{91240B29-F687-4f45-9708-019B960494DF}">
-                <a14:hiddenLine xmlns="" xmlns:a14="http://schemas.microsoft.com/office/drawing/2010/main" w="9525">
+                <a14:hiddenLine xmlns:a14="http://schemas.microsoft.com/office/drawing/2010/main" xmlns="" w="9525">
                   <a:solidFill>
                     <a:srgbClr val="000000"/>
                   </a:solidFill>
@@ -1860,7 +1860,7 @@
             </a:ln>
             <a:extLst>
               <a:ext uri="{91240B29-F687-4f45-9708-019B960494DF}">
-                <a14:hiddenLine xmlns="" xmlns:a14="http://schemas.microsoft.com/office/drawing/2010/main" w="9525">
+                <a14:hiddenLine xmlns:a14="http://schemas.microsoft.com/office/drawing/2010/main" xmlns="" w="9525">
                   <a:solidFill>
                     <a:srgbClr val="000000"/>
                   </a:solidFill>
@@ -1916,7 +1916,7 @@
             </a:ln>
             <a:extLst>
               <a:ext uri="{91240B29-F687-4f45-9708-019B960494DF}">
-                <a14:hiddenLine xmlns="" xmlns:a14="http://schemas.microsoft.com/office/drawing/2010/main" w="9525">
+                <a14:hiddenLine xmlns:a14="http://schemas.microsoft.com/office/drawing/2010/main" xmlns="" w="9525">
                   <a:solidFill>
                     <a:srgbClr val="000000"/>
                   </a:solidFill>
@@ -2006,7 +2006,7 @@
             </a:ln>
             <a:extLst>
               <a:ext uri="{91240B29-F687-4f45-9708-019B960494DF}">
-                <a14:hiddenLine xmlns="" xmlns:a14="http://schemas.microsoft.com/office/drawing/2010/main" w="9525">
+                <a14:hiddenLine xmlns:a14="http://schemas.microsoft.com/office/drawing/2010/main" xmlns="" w="9525">
                   <a:solidFill>
                     <a:srgbClr val="000000"/>
                   </a:solidFill>
@@ -2074,7 +2074,7 @@
             </a:ln>
             <a:extLst>
               <a:ext uri="{91240B29-F687-4f45-9708-019B960494DF}">
-                <a14:hiddenLine xmlns="" xmlns:a14="http://schemas.microsoft.com/office/drawing/2010/main" w="9525">
+                <a14:hiddenLine xmlns:a14="http://schemas.microsoft.com/office/drawing/2010/main" xmlns="" w="9525">
                   <a:solidFill>
                     <a:srgbClr val="000000"/>
                   </a:solidFill>
@@ -2164,7 +2164,7 @@
             </a:ln>
             <a:extLst>
               <a:ext uri="{91240B29-F687-4f45-9708-019B960494DF}">
-                <a14:hiddenLine xmlns="" xmlns:a14="http://schemas.microsoft.com/office/drawing/2010/main" w="9525">
+                <a14:hiddenLine xmlns:a14="http://schemas.microsoft.com/office/drawing/2010/main" xmlns="" w="9525">
                   <a:solidFill>
                     <a:srgbClr val="000000"/>
                   </a:solidFill>
@@ -2232,7 +2232,7 @@
             </a:ln>
             <a:extLst>
               <a:ext uri="{91240B29-F687-4f45-9708-019B960494DF}">
-                <a14:hiddenLine xmlns="" xmlns:a14="http://schemas.microsoft.com/office/drawing/2010/main" w="9525">
+                <a14:hiddenLine xmlns:a14="http://schemas.microsoft.com/office/drawing/2010/main" xmlns="" w="9525">
                   <a:solidFill>
                     <a:srgbClr val="000000"/>
                   </a:solidFill>
@@ -2322,7 +2322,7 @@
             </a:ln>
             <a:extLst>
               <a:ext uri="{91240B29-F687-4f45-9708-019B960494DF}">
-                <a14:hiddenLine xmlns="" xmlns:a14="http://schemas.microsoft.com/office/drawing/2010/main" w="9525">
+                <a14:hiddenLine xmlns:a14="http://schemas.microsoft.com/office/drawing/2010/main" xmlns="" w="9525">
                   <a:solidFill>
                     <a:srgbClr val="000000"/>
                   </a:solidFill>
@@ -2356,7 +2356,7 @@
             </a:ln>
             <a:extLst>
               <a:ext uri="{91240B29-F687-4f45-9708-019B960494DF}">
-                <a14:hiddenLine xmlns="" xmlns:a14="http://schemas.microsoft.com/office/drawing/2010/main" w="9525">
+                <a14:hiddenLine xmlns:a14="http://schemas.microsoft.com/office/drawing/2010/main" xmlns="" w="9525">
                   <a:solidFill>
                     <a:srgbClr val="000000"/>
                   </a:solidFill>
@@ -2446,7 +2446,7 @@
             </a:ln>
             <a:extLst>
               <a:ext uri="{91240B29-F687-4f45-9708-019B960494DF}">
-                <a14:hiddenLine xmlns="" xmlns:a14="http://schemas.microsoft.com/office/drawing/2010/main" w="9525">
+                <a14:hiddenLine xmlns:a14="http://schemas.microsoft.com/office/drawing/2010/main" xmlns="" w="9525">
                   <a:solidFill>
                     <a:srgbClr val="000000"/>
                   </a:solidFill>
@@ -2508,7 +2508,7 @@
             </a:ln>
             <a:extLst>
               <a:ext uri="{91240B29-F687-4f45-9708-019B960494DF}">
-                <a14:hiddenLine xmlns="" xmlns:a14="http://schemas.microsoft.com/office/drawing/2010/main" w="9525">
+                <a14:hiddenLine xmlns:a14="http://schemas.microsoft.com/office/drawing/2010/main" xmlns="" w="9525">
                   <a:solidFill>
                     <a:srgbClr val="000000"/>
                   </a:solidFill>
@@ -2570,7 +2570,7 @@
             </a:ln>
             <a:extLst>
               <a:ext uri="{91240B29-F687-4f45-9708-019B960494DF}">
-                <a14:hiddenLine xmlns="" xmlns:a14="http://schemas.microsoft.com/office/drawing/2010/main" w="9525">
+                <a14:hiddenLine xmlns:a14="http://schemas.microsoft.com/office/drawing/2010/main" xmlns="" w="9525">
                   <a:solidFill>
                     <a:srgbClr val="000000"/>
                   </a:solidFill>
@@ -2660,7 +2660,7 @@
             </a:ln>
             <a:extLst>
               <a:ext uri="{91240B29-F687-4f45-9708-019B960494DF}">
-                <a14:hiddenLine xmlns="" xmlns:a14="http://schemas.microsoft.com/office/drawing/2010/main" w="9525">
+                <a14:hiddenLine xmlns:a14="http://schemas.microsoft.com/office/drawing/2010/main" xmlns="" w="9525">
                   <a:solidFill>
                     <a:srgbClr val="000000"/>
                   </a:solidFill>
@@ -2728,7 +2728,7 @@
             </a:ln>
             <a:extLst>
               <a:ext uri="{91240B29-F687-4f45-9708-019B960494DF}">
-                <a14:hiddenLine xmlns="" xmlns:a14="http://schemas.microsoft.com/office/drawing/2010/main" w="9525">
+                <a14:hiddenLine xmlns:a14="http://schemas.microsoft.com/office/drawing/2010/main" xmlns="" w="9525">
                   <a:solidFill>
                     <a:srgbClr val="000000"/>
                   </a:solidFill>
@@ -2790,7 +2790,7 @@
             </a:ln>
             <a:extLst>
               <a:ext uri="{91240B29-F687-4f45-9708-019B960494DF}">
-                <a14:hiddenLine xmlns="" xmlns:a14="http://schemas.microsoft.com/office/drawing/2010/main" w="9525">
+                <a14:hiddenLine xmlns:a14="http://schemas.microsoft.com/office/drawing/2010/main" xmlns="" w="9525">
                   <a:solidFill>
                     <a:srgbClr val="000000"/>
                   </a:solidFill>
@@ -2880,7 +2880,7 @@
             </a:ln>
             <a:extLst>
               <a:ext uri="{91240B29-F687-4f45-9708-019B960494DF}">
-                <a14:hiddenLine xmlns="" xmlns:a14="http://schemas.microsoft.com/office/drawing/2010/main" w="9525">
+                <a14:hiddenLine xmlns:a14="http://schemas.microsoft.com/office/drawing/2010/main" xmlns="" w="9525">
                   <a:solidFill>
                     <a:srgbClr val="000000"/>
                   </a:solidFill>
@@ -2942,7 +2942,7 @@
             </a:ln>
             <a:extLst>
               <a:ext uri="{91240B29-F687-4f45-9708-019B960494DF}">
-                <a14:hiddenLine xmlns="" xmlns:a14="http://schemas.microsoft.com/office/drawing/2010/main" w="9525">
+                <a14:hiddenLine xmlns:a14="http://schemas.microsoft.com/office/drawing/2010/main" xmlns="" w="9525">
                   <a:solidFill>
                     <a:srgbClr val="000000"/>
                   </a:solidFill>
@@ -3032,7 +3032,7 @@
             </a:ln>
             <a:extLst>
               <a:ext uri="{91240B29-F687-4f45-9708-019B960494DF}">
-                <a14:hiddenLine xmlns="" xmlns:a14="http://schemas.microsoft.com/office/drawing/2010/main" w="9525">
+                <a14:hiddenLine xmlns:a14="http://schemas.microsoft.com/office/drawing/2010/main" xmlns="" w="9525">
                   <a:solidFill>
                     <a:srgbClr val="000000"/>
                   </a:solidFill>
@@ -3094,7 +3094,7 @@
             </a:ln>
             <a:extLst>
               <a:ext uri="{91240B29-F687-4f45-9708-019B960494DF}">
-                <a14:hiddenLine xmlns="" xmlns:a14="http://schemas.microsoft.com/office/drawing/2010/main" w="9525">
+                <a14:hiddenLine xmlns:a14="http://schemas.microsoft.com/office/drawing/2010/main" xmlns="" w="9525">
                   <a:solidFill>
                     <a:srgbClr val="000000"/>
                   </a:solidFill>
@@ -3184,7 +3184,7 @@
             </a:ln>
             <a:extLst>
               <a:ext uri="{91240B29-F687-4f45-9708-019B960494DF}">
-                <a14:hiddenLine xmlns="" xmlns:a14="http://schemas.microsoft.com/office/drawing/2010/main" w="9525">
+                <a14:hiddenLine xmlns:a14="http://schemas.microsoft.com/office/drawing/2010/main" xmlns="" w="9525">
                   <a:solidFill>
                     <a:srgbClr val="000000"/>
                   </a:solidFill>
@@ -3218,7 +3218,7 @@
             </a:ln>
             <a:extLst>
               <a:ext uri="{91240B29-F687-4f45-9708-019B960494DF}">
-                <a14:hiddenLine xmlns="" xmlns:a14="http://schemas.microsoft.com/office/drawing/2010/main" w="9525">
+                <a14:hiddenLine xmlns:a14="http://schemas.microsoft.com/office/drawing/2010/main" xmlns="" w="9525">
                   <a:solidFill>
                     <a:srgbClr val="000000"/>
                   </a:solidFill>
@@ -3283,7 +3283,7 @@
             </a:ln>
             <a:extLst>
               <a:ext uri="{91240B29-F687-4f45-9708-019B960494DF}">
-                <a14:hiddenLine xmlns="" xmlns:a14="http://schemas.microsoft.com/office/drawing/2010/main" w="9525">
+                <a14:hiddenLine xmlns:a14="http://schemas.microsoft.com/office/drawing/2010/main" xmlns="" w="9525">
                   <a:solidFill>
                     <a:srgbClr val="000000"/>
                   </a:solidFill>
@@ -3373,7 +3373,7 @@
             </a:ln>
             <a:extLst>
               <a:ext uri="{91240B29-F687-4f45-9708-019B960494DF}">
-                <a14:hiddenLine xmlns="" xmlns:a14="http://schemas.microsoft.com/office/drawing/2010/main" w="9525">
+                <a14:hiddenLine xmlns:a14="http://schemas.microsoft.com/office/drawing/2010/main" xmlns="" w="9525">
                   <a:solidFill>
                     <a:srgbClr val="000000"/>
                   </a:solidFill>
@@ -3435,7 +3435,7 @@
             </a:ln>
             <a:extLst>
               <a:ext uri="{91240B29-F687-4f45-9708-019B960494DF}">
-                <a14:hiddenLine xmlns="" xmlns:a14="http://schemas.microsoft.com/office/drawing/2010/main" w="9525">
+                <a14:hiddenLine xmlns:a14="http://schemas.microsoft.com/office/drawing/2010/main" xmlns="" w="9525">
                   <a:solidFill>
                     <a:srgbClr val="000000"/>
                   </a:solidFill>
@@ -3525,7 +3525,7 @@
             </a:ln>
             <a:extLst>
               <a:ext uri="{91240B29-F687-4f45-9708-019B960494DF}">
-                <a14:hiddenLine xmlns="" xmlns:a14="http://schemas.microsoft.com/office/drawing/2010/main" w="9525">
+                <a14:hiddenLine xmlns:a14="http://schemas.microsoft.com/office/drawing/2010/main" xmlns="" w="9525">
                   <a:solidFill>
                     <a:srgbClr val="000000"/>
                   </a:solidFill>
@@ -3615,7 +3615,7 @@
             </a:ln>
             <a:extLst>
               <a:ext uri="{91240B29-F687-4f45-9708-019B960494DF}">
-                <a14:hiddenLine xmlns="" xmlns:a14="http://schemas.microsoft.com/office/drawing/2010/main" w="9525">
+                <a14:hiddenLine xmlns:a14="http://schemas.microsoft.com/office/drawing/2010/main" xmlns="" w="9525">
                   <a:solidFill>
                     <a:srgbClr val="000000"/>
                   </a:solidFill>
@@ -3680,7 +3680,7 @@
             </a:ln>
             <a:extLst>
               <a:ext uri="{91240B29-F687-4f45-9708-019B960494DF}">
-                <a14:hiddenLine xmlns="" xmlns:a14="http://schemas.microsoft.com/office/drawing/2010/main" w="9525">
+                <a14:hiddenLine xmlns:a14="http://schemas.microsoft.com/office/drawing/2010/main" xmlns="" w="9525">
                   <a:solidFill>
                     <a:srgbClr val="000000"/>
                   </a:solidFill>
@@ -3742,7 +3742,7 @@
             </a:ln>
             <a:extLst>
               <a:ext uri="{91240B29-F687-4f45-9708-019B960494DF}">
-                <a14:hiddenLine xmlns="" xmlns:a14="http://schemas.microsoft.com/office/drawing/2010/main" w="9525">
+                <a14:hiddenLine xmlns:a14="http://schemas.microsoft.com/office/drawing/2010/main" xmlns="" w="9525">
                   <a:solidFill>
                     <a:srgbClr val="000000"/>
                   </a:solidFill>
@@ -3832,7 +3832,7 @@
             </a:ln>
             <a:extLst>
               <a:ext uri="{91240B29-F687-4f45-9708-019B960494DF}">
-                <a14:hiddenLine xmlns="" xmlns:a14="http://schemas.microsoft.com/office/drawing/2010/main" w="9525">
+                <a14:hiddenLine xmlns:a14="http://schemas.microsoft.com/office/drawing/2010/main" xmlns="" w="9525">
                   <a:solidFill>
                     <a:srgbClr val="000000"/>
                   </a:solidFill>
@@ -3922,7 +3922,7 @@
             </a:ln>
             <a:extLst>
               <a:ext uri="{91240B29-F687-4f45-9708-019B960494DF}">
-                <a14:hiddenLine xmlns="" xmlns:a14="http://schemas.microsoft.com/office/drawing/2010/main" w="9525">
+                <a14:hiddenLine xmlns:a14="http://schemas.microsoft.com/office/drawing/2010/main" xmlns="" w="9525">
                   <a:solidFill>
                     <a:srgbClr val="000000"/>
                   </a:solidFill>
@@ -3984,7 +3984,7 @@
             </a:ln>
             <a:extLst>
               <a:ext uri="{91240B29-F687-4f45-9708-019B960494DF}">
-                <a14:hiddenLine xmlns="" xmlns:a14="http://schemas.microsoft.com/office/drawing/2010/main" w="9525">
+                <a14:hiddenLine xmlns:a14="http://schemas.microsoft.com/office/drawing/2010/main" xmlns="" w="9525">
                   <a:solidFill>
                     <a:srgbClr val="000000"/>
                   </a:solidFill>
@@ -4104,7 +4104,7 @@
             </a:ln>
             <a:extLst>
               <a:ext uri="{91240B29-F687-4f45-9708-019B960494DF}">
-                <a14:hiddenLine xmlns="" xmlns:a14="http://schemas.microsoft.com/office/drawing/2010/main" w="9525">
+                <a14:hiddenLine xmlns:a14="http://schemas.microsoft.com/office/drawing/2010/main" xmlns="" w="9525">
                   <a:solidFill>
                     <a:srgbClr val="000000"/>
                   </a:solidFill>
@@ -4172,7 +4172,7 @@
             </a:ln>
             <a:extLst>
               <a:ext uri="{91240B29-F687-4f45-9708-019B960494DF}">
-                <a14:hiddenLine xmlns="" xmlns:a14="http://schemas.microsoft.com/office/drawing/2010/main" w="9525">
+                <a14:hiddenLine xmlns:a14="http://schemas.microsoft.com/office/drawing/2010/main" xmlns="" w="9525">
                   <a:solidFill>
                     <a:srgbClr val="000000"/>
                   </a:solidFill>
@@ -4262,7 +4262,7 @@
             </a:ln>
             <a:extLst>
               <a:ext uri="{91240B29-F687-4f45-9708-019B960494DF}">
-                <a14:hiddenLine xmlns="" xmlns:a14="http://schemas.microsoft.com/office/drawing/2010/main" w="9525">
+                <a14:hiddenLine xmlns:a14="http://schemas.microsoft.com/office/drawing/2010/main" xmlns="" w="9525">
                   <a:solidFill>
                     <a:srgbClr val="000000"/>
                   </a:solidFill>
@@ -4402,7 +4402,7 @@
           <a:p>
             <a:fld id="{D3296782-267F-40C0-A1D0-41749E824B30}" type="datetimeFigureOut">
               <a:rPr lang="en-US" smtClean="0"/>
-              <a:t>10/19/2020</a:t>
+              <a:t>10/20/2020</a:t>
             </a:fld>
             <a:endParaRPr lang="en-US"/>
           </a:p>
@@ -4669,7 +4669,7 @@
           <a:p>
             <a:fld id="{D3296782-267F-40C0-A1D0-41749E824B30}" type="datetimeFigureOut">
               <a:rPr lang="en-US" smtClean="0"/>
-              <a:t>10/19/2020</a:t>
+              <a:t>10/20/2020</a:t>
             </a:fld>
             <a:endParaRPr lang="en-US"/>
           </a:p>
@@ -4865,7 +4865,7 @@
           <a:p>
             <a:fld id="{D3296782-267F-40C0-A1D0-41749E824B30}" type="datetimeFigureOut">
               <a:rPr lang="en-US" smtClean="0"/>
-              <a:t>10/19/2020</a:t>
+              <a:t>10/20/2020</a:t>
             </a:fld>
             <a:endParaRPr lang="en-US"/>
           </a:p>
@@ -5128,7 +5128,7 @@
           <a:p>
             <a:fld id="{D3296782-267F-40C0-A1D0-41749E824B30}" type="datetimeFigureOut">
               <a:rPr lang="en-US" smtClean="0"/>
-              <a:t>10/19/2020</a:t>
+              <a:t>10/20/2020</a:t>
             </a:fld>
             <a:endParaRPr lang="en-US"/>
           </a:p>
@@ -5562,7 +5562,7 @@
           <a:p>
             <a:fld id="{D3296782-267F-40C0-A1D0-41749E824B30}" type="datetimeFigureOut">
               <a:rPr lang="en-US" smtClean="0"/>
-              <a:t>10/19/2020</a:t>
+              <a:t>10/20/2020</a:t>
             </a:fld>
             <a:endParaRPr lang="en-US"/>
           </a:p>
@@ -6108,7 +6108,7 @@
           <a:p>
             <a:fld id="{D3296782-267F-40C0-A1D0-41749E824B30}" type="datetimeFigureOut">
               <a:rPr lang="en-US" smtClean="0"/>
-              <a:t>10/19/2020</a:t>
+              <a:t>10/20/2020</a:t>
             </a:fld>
             <a:endParaRPr lang="en-US"/>
           </a:p>
@@ -6828,7 +6828,7 @@
           <a:p>
             <a:fld id="{D3296782-267F-40C0-A1D0-41749E824B30}" type="datetimeFigureOut">
               <a:rPr lang="en-US" smtClean="0"/>
-              <a:t>10/19/2020</a:t>
+              <a:t>10/20/2020</a:t>
             </a:fld>
             <a:endParaRPr lang="en-US"/>
           </a:p>
@@ -6998,7 +6998,7 @@
           <a:p>
             <a:fld id="{D3296782-267F-40C0-A1D0-41749E824B30}" type="datetimeFigureOut">
               <a:rPr lang="en-US" smtClean="0"/>
-              <a:t>10/19/2020</a:t>
+              <a:t>10/20/2020</a:t>
             </a:fld>
             <a:endParaRPr lang="en-US"/>
           </a:p>
@@ -7178,7 +7178,7 @@
           <a:p>
             <a:fld id="{D3296782-267F-40C0-A1D0-41749E824B30}" type="datetimeFigureOut">
               <a:rPr lang="en-US" smtClean="0"/>
-              <a:t>10/19/2020</a:t>
+              <a:t>10/20/2020</a:t>
             </a:fld>
             <a:endParaRPr lang="en-US"/>
           </a:p>
@@ -7348,7 +7348,7 @@
           <a:p>
             <a:fld id="{D3296782-267F-40C0-A1D0-41749E824B30}" type="datetimeFigureOut">
               <a:rPr lang="en-US" smtClean="0"/>
-              <a:t>10/19/2020</a:t>
+              <a:t>10/20/2020</a:t>
             </a:fld>
             <a:endParaRPr lang="en-US"/>
           </a:p>
@@ -7598,7 +7598,7 @@
           <a:p>
             <a:fld id="{D3296782-267F-40C0-A1D0-41749E824B30}" type="datetimeFigureOut">
               <a:rPr lang="en-US" smtClean="0"/>
-              <a:t>10/19/2020</a:t>
+              <a:t>10/20/2020</a:t>
             </a:fld>
             <a:endParaRPr lang="en-US"/>
           </a:p>
@@ -7830,7 +7830,7 @@
           <a:p>
             <a:fld id="{D3296782-267F-40C0-A1D0-41749E824B30}" type="datetimeFigureOut">
               <a:rPr lang="en-US" smtClean="0"/>
-              <a:t>10/19/2020</a:t>
+              <a:t>10/20/2020</a:t>
             </a:fld>
             <a:endParaRPr lang="en-US"/>
           </a:p>
@@ -8211,7 +8211,7 @@
           <a:p>
             <a:fld id="{D3296782-267F-40C0-A1D0-41749E824B30}" type="datetimeFigureOut">
               <a:rPr lang="en-US" smtClean="0"/>
-              <a:t>10/19/2020</a:t>
+              <a:t>10/20/2020</a:t>
             </a:fld>
             <a:endParaRPr lang="en-US"/>
           </a:p>
@@ -8329,7 +8329,7 @@
           <a:p>
             <a:fld id="{D3296782-267F-40C0-A1D0-41749E824B30}" type="datetimeFigureOut">
               <a:rPr lang="en-US" smtClean="0"/>
-              <a:t>10/19/2020</a:t>
+              <a:t>10/20/2020</a:t>
             </a:fld>
             <a:endParaRPr lang="en-US"/>
           </a:p>
@@ -8424,7 +8424,7 @@
           <a:p>
             <a:fld id="{D3296782-267F-40C0-A1D0-41749E824B30}" type="datetimeFigureOut">
               <a:rPr lang="en-US" smtClean="0"/>
-              <a:t>10/19/2020</a:t>
+              <a:t>10/20/2020</a:t>
             </a:fld>
             <a:endParaRPr lang="en-US"/>
           </a:p>
@@ -8673,7 +8673,7 @@
           <a:p>
             <a:fld id="{D3296782-267F-40C0-A1D0-41749E824B30}" type="datetimeFigureOut">
               <a:rPr lang="en-US" smtClean="0"/>
-              <a:t>10/19/2020</a:t>
+              <a:t>10/20/2020</a:t>
             </a:fld>
             <a:endParaRPr lang="en-US"/>
           </a:p>
@@ -8953,7 +8953,7 @@
           <a:p>
             <a:fld id="{D3296782-267F-40C0-A1D0-41749E824B30}" type="datetimeFigureOut">
               <a:rPr lang="en-US" smtClean="0"/>
-              <a:t>10/19/2020</a:t>
+              <a:t>10/20/2020</a:t>
             </a:fld>
             <a:endParaRPr lang="en-US"/>
           </a:p>
@@ -9076,7 +9076,7 @@
           <a:noFill/>
           <a:extLst>
             <a:ext uri="{909E8E84-426E-40dd-AFC4-6F175D3DCCD1}">
-              <a14:hiddenFill xmlns="" xmlns:a14="http://schemas.microsoft.com/office/drawing/2010/main">
+              <a14:hiddenFill xmlns:a14="http://schemas.microsoft.com/office/drawing/2010/main" xmlns="">
                 <a:solidFill>
                   <a:srgbClr val="FFFFFF"/>
                 </a:solidFill>
@@ -9150,7 +9150,7 @@
               </a:ln>
               <a:extLst>
                 <a:ext uri="{91240B29-F687-4f45-9708-019B960494DF}">
-                  <a14:hiddenLine xmlns="" xmlns:a14="http://schemas.microsoft.com/office/drawing/2010/main" w="9525">
+                  <a14:hiddenLine xmlns:a14="http://schemas.microsoft.com/office/drawing/2010/main" xmlns="" w="9525">
                     <a:solidFill>
                       <a:srgbClr val="000000"/>
                     </a:solidFill>
@@ -9240,7 +9240,7 @@
               </a:ln>
               <a:extLst>
                 <a:ext uri="{91240B29-F687-4f45-9708-019B960494DF}">
-                  <a14:hiddenLine xmlns="" xmlns:a14="http://schemas.microsoft.com/office/drawing/2010/main" w="9525">
+                  <a14:hiddenLine xmlns:a14="http://schemas.microsoft.com/office/drawing/2010/main" xmlns="" w="9525">
                     <a:solidFill>
                       <a:srgbClr val="000000"/>
                     </a:solidFill>
@@ -9330,7 +9330,7 @@
               </a:ln>
               <a:extLst>
                 <a:ext uri="{91240B29-F687-4f45-9708-019B960494DF}">
-                  <a14:hiddenLine xmlns="" xmlns:a14="http://schemas.microsoft.com/office/drawing/2010/main" w="9525">
+                  <a14:hiddenLine xmlns:a14="http://schemas.microsoft.com/office/drawing/2010/main" xmlns="" w="9525">
                     <a:solidFill>
                       <a:srgbClr val="000000"/>
                     </a:solidFill>
@@ -9392,7 +9392,7 @@
               </a:ln>
               <a:extLst>
                 <a:ext uri="{91240B29-F687-4f45-9708-019B960494DF}">
-                  <a14:hiddenLine xmlns="" xmlns:a14="http://schemas.microsoft.com/office/drawing/2010/main" w="9525">
+                  <a14:hiddenLine xmlns:a14="http://schemas.microsoft.com/office/drawing/2010/main" xmlns="" w="9525">
                     <a:solidFill>
                       <a:srgbClr val="000000"/>
                     </a:solidFill>
@@ -9482,7 +9482,7 @@
               </a:ln>
               <a:extLst>
                 <a:ext uri="{91240B29-F687-4f45-9708-019B960494DF}">
-                  <a14:hiddenLine xmlns="" xmlns:a14="http://schemas.microsoft.com/office/drawing/2010/main" w="9525">
+                  <a14:hiddenLine xmlns:a14="http://schemas.microsoft.com/office/drawing/2010/main" xmlns="" w="9525">
                     <a:solidFill>
                       <a:srgbClr val="000000"/>
                     </a:solidFill>
@@ -9544,7 +9544,7 @@
               </a:ln>
               <a:extLst>
                 <a:ext uri="{91240B29-F687-4f45-9708-019B960494DF}">
-                  <a14:hiddenLine xmlns="" xmlns:a14="http://schemas.microsoft.com/office/drawing/2010/main" w="9525">
+                  <a14:hiddenLine xmlns:a14="http://schemas.microsoft.com/office/drawing/2010/main" xmlns="" w="9525">
                     <a:solidFill>
                       <a:srgbClr val="000000"/>
                     </a:solidFill>
@@ -9606,7 +9606,7 @@
               </a:ln>
               <a:extLst>
                 <a:ext uri="{91240B29-F687-4f45-9708-019B960494DF}">
-                  <a14:hiddenLine xmlns="" xmlns:a14="http://schemas.microsoft.com/office/drawing/2010/main" w="9525">
+                  <a14:hiddenLine xmlns:a14="http://schemas.microsoft.com/office/drawing/2010/main" xmlns="" w="9525">
                     <a:solidFill>
                       <a:srgbClr val="000000"/>
                     </a:solidFill>
@@ -9696,7 +9696,7 @@
               </a:ln>
               <a:extLst>
                 <a:ext uri="{91240B29-F687-4f45-9708-019B960494DF}">
-                  <a14:hiddenLine xmlns="" xmlns:a14="http://schemas.microsoft.com/office/drawing/2010/main" w="9525">
+                  <a14:hiddenLine xmlns:a14="http://schemas.microsoft.com/office/drawing/2010/main" xmlns="" w="9525">
                     <a:solidFill>
                       <a:srgbClr val="000000"/>
                     </a:solidFill>
@@ -9786,7 +9786,7 @@
               </a:ln>
               <a:extLst>
                 <a:ext uri="{91240B29-F687-4f45-9708-019B960494DF}">
-                  <a14:hiddenLine xmlns="" xmlns:a14="http://schemas.microsoft.com/office/drawing/2010/main" w="9525">
+                  <a14:hiddenLine xmlns:a14="http://schemas.microsoft.com/office/drawing/2010/main" xmlns="" w="9525">
                     <a:solidFill>
                       <a:srgbClr val="000000"/>
                     </a:solidFill>
@@ -9848,7 +9848,7 @@
               </a:ln>
               <a:extLst>
                 <a:ext uri="{91240B29-F687-4f45-9708-019B960494DF}">
-                  <a14:hiddenLine xmlns="" xmlns:a14="http://schemas.microsoft.com/office/drawing/2010/main" w="9525">
+                  <a14:hiddenLine xmlns:a14="http://schemas.microsoft.com/office/drawing/2010/main" xmlns="" w="9525">
                     <a:solidFill>
                       <a:srgbClr val="000000"/>
                     </a:solidFill>
@@ -9958,7 +9958,7 @@
               </a:ln>
               <a:extLst>
                 <a:ext uri="{91240B29-F687-4f45-9708-019B960494DF}">
-                  <a14:hiddenLine xmlns="" xmlns:a14="http://schemas.microsoft.com/office/drawing/2010/main" w="9525">
+                  <a14:hiddenLine xmlns:a14="http://schemas.microsoft.com/office/drawing/2010/main" xmlns="" w="9525">
                     <a:solidFill>
                       <a:srgbClr val="000000"/>
                     </a:solidFill>
@@ -10042,7 +10042,7 @@
               </a:ln>
               <a:extLst>
                 <a:ext uri="{91240B29-F687-4f45-9708-019B960494DF}">
-                  <a14:hiddenLine xmlns="" xmlns:a14="http://schemas.microsoft.com/office/drawing/2010/main" w="9525">
+                  <a14:hiddenLine xmlns:a14="http://schemas.microsoft.com/office/drawing/2010/main" xmlns="" w="9525">
                     <a:solidFill>
                       <a:srgbClr val="000000"/>
                     </a:solidFill>
@@ -10104,7 +10104,7 @@
               </a:ln>
               <a:extLst>
                 <a:ext uri="{91240B29-F687-4f45-9708-019B960494DF}">
-                  <a14:hiddenLine xmlns="" xmlns:a14="http://schemas.microsoft.com/office/drawing/2010/main" w="9525">
+                  <a14:hiddenLine xmlns:a14="http://schemas.microsoft.com/office/drawing/2010/main" xmlns="" w="9525">
                     <a:solidFill>
                       <a:srgbClr val="000000"/>
                     </a:solidFill>
@@ -10166,7 +10166,7 @@
               </a:ln>
               <a:extLst>
                 <a:ext uri="{91240B29-F687-4f45-9708-019B960494DF}">
-                  <a14:hiddenLine xmlns="" xmlns:a14="http://schemas.microsoft.com/office/drawing/2010/main" w="9525">
+                  <a14:hiddenLine xmlns:a14="http://schemas.microsoft.com/office/drawing/2010/main" xmlns="" w="9525">
                     <a:solidFill>
                       <a:srgbClr val="000000"/>
                     </a:solidFill>
@@ -10256,7 +10256,7 @@
               </a:ln>
               <a:extLst>
                 <a:ext uri="{91240B29-F687-4f45-9708-019B960494DF}">
-                  <a14:hiddenLine xmlns="" xmlns:a14="http://schemas.microsoft.com/office/drawing/2010/main" w="9525">
+                  <a14:hiddenLine xmlns:a14="http://schemas.microsoft.com/office/drawing/2010/main" xmlns="" w="9525">
                     <a:solidFill>
                       <a:srgbClr val="000000"/>
                     </a:solidFill>
@@ -10290,7 +10290,7 @@
               </a:ln>
               <a:extLst>
                 <a:ext uri="{91240B29-F687-4f45-9708-019B960494DF}">
-                  <a14:hiddenLine xmlns="" xmlns:a14="http://schemas.microsoft.com/office/drawing/2010/main" w="9525">
+                  <a14:hiddenLine xmlns:a14="http://schemas.microsoft.com/office/drawing/2010/main" xmlns="" w="9525">
                     <a:solidFill>
                       <a:srgbClr val="000000"/>
                     </a:solidFill>
@@ -10355,7 +10355,7 @@
               </a:ln>
               <a:extLst>
                 <a:ext uri="{91240B29-F687-4f45-9708-019B960494DF}">
-                  <a14:hiddenLine xmlns="" xmlns:a14="http://schemas.microsoft.com/office/drawing/2010/main" w="9525">
+                  <a14:hiddenLine xmlns:a14="http://schemas.microsoft.com/office/drawing/2010/main" xmlns="" w="9525">
                     <a:solidFill>
                       <a:srgbClr val="000000"/>
                     </a:solidFill>
@@ -10445,7 +10445,7 @@
               </a:ln>
               <a:extLst>
                 <a:ext uri="{91240B29-F687-4f45-9708-019B960494DF}">
-                  <a14:hiddenLine xmlns="" xmlns:a14="http://schemas.microsoft.com/office/drawing/2010/main" w="9525">
+                  <a14:hiddenLine xmlns:a14="http://schemas.microsoft.com/office/drawing/2010/main" xmlns="" w="9525">
                     <a:solidFill>
                       <a:srgbClr val="000000"/>
                     </a:solidFill>
@@ -10507,7 +10507,7 @@
               </a:ln>
               <a:extLst>
                 <a:ext uri="{91240B29-F687-4f45-9708-019B960494DF}">
-                  <a14:hiddenLine xmlns="" xmlns:a14="http://schemas.microsoft.com/office/drawing/2010/main" w="9525">
+                  <a14:hiddenLine xmlns:a14="http://schemas.microsoft.com/office/drawing/2010/main" xmlns="" w="9525">
                     <a:solidFill>
                       <a:srgbClr val="000000"/>
                     </a:solidFill>
@@ -10597,7 +10597,7 @@
               </a:ln>
               <a:extLst>
                 <a:ext uri="{91240B29-F687-4f45-9708-019B960494DF}">
-                  <a14:hiddenLine xmlns="" xmlns:a14="http://schemas.microsoft.com/office/drawing/2010/main" w="9525">
+                  <a14:hiddenLine xmlns:a14="http://schemas.microsoft.com/office/drawing/2010/main" xmlns="" w="9525">
                     <a:solidFill>
                       <a:srgbClr val="000000"/>
                     </a:solidFill>
@@ -10662,7 +10662,7 @@
               </a:ln>
               <a:extLst>
                 <a:ext uri="{91240B29-F687-4f45-9708-019B960494DF}">
-                  <a14:hiddenLine xmlns="" xmlns:a14="http://schemas.microsoft.com/office/drawing/2010/main" w="9525">
+                  <a14:hiddenLine xmlns:a14="http://schemas.microsoft.com/office/drawing/2010/main" xmlns="" w="9525">
                     <a:solidFill>
                       <a:srgbClr val="000000"/>
                     </a:solidFill>
@@ -10724,7 +10724,7 @@
               </a:ln>
               <a:extLst>
                 <a:ext uri="{91240B29-F687-4f45-9708-019B960494DF}">
-                  <a14:hiddenLine xmlns="" xmlns:a14="http://schemas.microsoft.com/office/drawing/2010/main" w="9525">
+                  <a14:hiddenLine xmlns:a14="http://schemas.microsoft.com/office/drawing/2010/main" xmlns="" w="9525">
                     <a:solidFill>
                       <a:srgbClr val="000000"/>
                     </a:solidFill>
@@ -10814,7 +10814,7 @@
               </a:ln>
               <a:extLst>
                 <a:ext uri="{91240B29-F687-4f45-9708-019B960494DF}">
-                  <a14:hiddenLine xmlns="" xmlns:a14="http://schemas.microsoft.com/office/drawing/2010/main" w="9525">
+                  <a14:hiddenLine xmlns:a14="http://schemas.microsoft.com/office/drawing/2010/main" xmlns="" w="9525">
                     <a:solidFill>
                       <a:srgbClr val="000000"/>
                     </a:solidFill>
@@ -10904,7 +10904,7 @@
               </a:ln>
               <a:extLst>
                 <a:ext uri="{91240B29-F687-4f45-9708-019B960494DF}">
-                  <a14:hiddenLine xmlns="" xmlns:a14="http://schemas.microsoft.com/office/drawing/2010/main" w="9525">
+                  <a14:hiddenLine xmlns:a14="http://schemas.microsoft.com/office/drawing/2010/main" xmlns="" w="9525">
                     <a:solidFill>
                       <a:srgbClr val="000000"/>
                     </a:solidFill>
@@ -10969,7 +10969,7 @@
               </a:ln>
               <a:extLst>
                 <a:ext uri="{91240B29-F687-4f45-9708-019B960494DF}">
-                  <a14:hiddenLine xmlns="" xmlns:a14="http://schemas.microsoft.com/office/drawing/2010/main" w="9525">
+                  <a14:hiddenLine xmlns:a14="http://schemas.microsoft.com/office/drawing/2010/main" xmlns="" w="9525">
                     <a:solidFill>
                       <a:srgbClr val="000000"/>
                     </a:solidFill>
@@ -11089,7 +11089,7 @@
               </a:ln>
               <a:extLst>
                 <a:ext uri="{91240B29-F687-4f45-9708-019B960494DF}">
-                  <a14:hiddenLine xmlns="" xmlns:a14="http://schemas.microsoft.com/office/drawing/2010/main" w="9525">
+                  <a14:hiddenLine xmlns:a14="http://schemas.microsoft.com/office/drawing/2010/main" xmlns="" w="9525">
                     <a:solidFill>
                       <a:srgbClr val="000000"/>
                     </a:solidFill>
@@ -11170,7 +11170,7 @@
               </a:ln>
               <a:extLst>
                 <a:ext uri="{91240B29-F687-4f45-9708-019B960494DF}">
-                  <a14:hiddenLine xmlns="" xmlns:a14="http://schemas.microsoft.com/office/drawing/2010/main" w="9525">
+                  <a14:hiddenLine xmlns:a14="http://schemas.microsoft.com/office/drawing/2010/main" xmlns="" w="9525">
                     <a:solidFill>
                       <a:srgbClr val="000000"/>
                     </a:solidFill>
@@ -11285,7 +11285,7 @@
               </a:ln>
               <a:extLst>
                 <a:ext uri="{91240B29-F687-4f45-9708-019B960494DF}">
-                  <a14:hiddenLine xmlns="" xmlns:a14="http://schemas.microsoft.com/office/drawing/2010/main" w="9525">
+                  <a14:hiddenLine xmlns:a14="http://schemas.microsoft.com/office/drawing/2010/main" xmlns="" w="9525">
                     <a:solidFill>
                       <a:srgbClr val="000000"/>
                     </a:solidFill>
@@ -11375,7 +11375,7 @@
               </a:ln>
               <a:extLst>
                 <a:ext uri="{91240B29-F687-4f45-9708-019B960494DF}">
-                  <a14:hiddenLine xmlns="" xmlns:a14="http://schemas.microsoft.com/office/drawing/2010/main" w="9525">
+                  <a14:hiddenLine xmlns:a14="http://schemas.microsoft.com/office/drawing/2010/main" xmlns="" w="9525">
                     <a:solidFill>
                       <a:srgbClr val="000000"/>
                     </a:solidFill>
@@ -11440,7 +11440,7 @@
               </a:ln>
               <a:extLst>
                 <a:ext uri="{91240B29-F687-4f45-9708-019B960494DF}">
-                  <a14:hiddenLine xmlns="" xmlns:a14="http://schemas.microsoft.com/office/drawing/2010/main" w="9525">
+                  <a14:hiddenLine xmlns:a14="http://schemas.microsoft.com/office/drawing/2010/main" xmlns="" w="9525">
                     <a:solidFill>
                       <a:srgbClr val="000000"/>
                     </a:solidFill>
@@ -11530,7 +11530,7 @@
               </a:ln>
               <a:extLst>
                 <a:ext uri="{91240B29-F687-4f45-9708-019B960494DF}">
-                  <a14:hiddenLine xmlns="" xmlns:a14="http://schemas.microsoft.com/office/drawing/2010/main" w="9525">
+                  <a14:hiddenLine xmlns:a14="http://schemas.microsoft.com/office/drawing/2010/main" xmlns="" w="9525">
                     <a:solidFill>
                       <a:srgbClr val="000000"/>
                     </a:solidFill>
@@ -11598,7 +11598,7 @@
               </a:ln>
               <a:extLst>
                 <a:ext uri="{91240B29-F687-4f45-9708-019B960494DF}">
-                  <a14:hiddenLine xmlns="" xmlns:a14="http://schemas.microsoft.com/office/drawing/2010/main" w="9525">
+                  <a14:hiddenLine xmlns:a14="http://schemas.microsoft.com/office/drawing/2010/main" xmlns="" w="9525">
                     <a:solidFill>
                       <a:srgbClr val="000000"/>
                     </a:solidFill>
@@ -11688,7 +11688,7 @@
               </a:ln>
               <a:extLst>
                 <a:ext uri="{91240B29-F687-4f45-9708-019B960494DF}">
-                  <a14:hiddenLine xmlns="" xmlns:a14="http://schemas.microsoft.com/office/drawing/2010/main" w="9525">
+                  <a14:hiddenLine xmlns:a14="http://schemas.microsoft.com/office/drawing/2010/main" xmlns="" w="9525">
                     <a:solidFill>
                       <a:srgbClr val="000000"/>
                     </a:solidFill>
@@ -11756,7 +11756,7 @@
               </a:ln>
               <a:extLst>
                 <a:ext uri="{91240B29-F687-4f45-9708-019B960494DF}">
-                  <a14:hiddenLine xmlns="" xmlns:a14="http://schemas.microsoft.com/office/drawing/2010/main" w="9525">
+                  <a14:hiddenLine xmlns:a14="http://schemas.microsoft.com/office/drawing/2010/main" xmlns="" w="9525">
                     <a:solidFill>
                       <a:srgbClr val="000000"/>
                     </a:solidFill>
@@ -11846,7 +11846,7 @@
               </a:ln>
               <a:extLst>
                 <a:ext uri="{91240B29-F687-4f45-9708-019B960494DF}">
-                  <a14:hiddenLine xmlns="" xmlns:a14="http://schemas.microsoft.com/office/drawing/2010/main" w="9525">
+                  <a14:hiddenLine xmlns:a14="http://schemas.microsoft.com/office/drawing/2010/main" xmlns="" w="9525">
                     <a:solidFill>
                       <a:srgbClr val="000000"/>
                     </a:solidFill>
@@ -11880,7 +11880,7 @@
               </a:ln>
               <a:extLst>
                 <a:ext uri="{91240B29-F687-4f45-9708-019B960494DF}">
-                  <a14:hiddenLine xmlns="" xmlns:a14="http://schemas.microsoft.com/office/drawing/2010/main" w="9525">
+                  <a14:hiddenLine xmlns:a14="http://schemas.microsoft.com/office/drawing/2010/main" xmlns="" w="9525">
                     <a:solidFill>
                       <a:srgbClr val="000000"/>
                     </a:solidFill>
@@ -12020,7 +12020,7 @@
           <a:p>
             <a:fld id="{D3296782-267F-40C0-A1D0-41749E824B30}" type="datetimeFigureOut">
               <a:rPr lang="en-US" smtClean="0"/>
-              <a:t>10/19/2020</a:t>
+              <a:t>10/20/2020</a:t>
             </a:fld>
             <a:endParaRPr lang="en-US"/>
           </a:p>
@@ -12514,7 +12514,7 @@
           <a:noFill/>
           <a:extLst>
             <a:ext uri="{909E8E84-426E-40dd-AFC4-6F175D3DCCD1}">
-              <a14:hiddenFill xmlns:a14="http://schemas.microsoft.com/office/drawing/2010/main" xmlns:a16="http://schemas.microsoft.com/office/drawing/2014/main" xmlns="">
+              <a14:hiddenFill xmlns="" xmlns:a16="http://schemas.microsoft.com/office/drawing/2014/main" xmlns:a14="http://schemas.microsoft.com/office/drawing/2010/main">
                 <a:solidFill>
                   <a:srgbClr val="FFFFFF"/>
                 </a:solidFill>
@@ -12635,7 +12635,7 @@
               </a:ln>
               <a:extLst>
                 <a:ext uri="{91240B29-F687-4f45-9708-019B960494DF}">
-                  <a14:hiddenLine xmlns:a14="http://schemas.microsoft.com/office/drawing/2010/main" xmlns:a16="http://schemas.microsoft.com/office/drawing/2014/main" xmlns="" w="9525">
+                  <a14:hiddenLine xmlns="" xmlns:a16="http://schemas.microsoft.com/office/drawing/2014/main" xmlns:a14="http://schemas.microsoft.com/office/drawing/2010/main" w="9525">
                     <a:solidFill>
                       <a:srgbClr val="000000"/>
                     </a:solidFill>
@@ -12740,7 +12740,7 @@
               </a:ln>
               <a:extLst>
                 <a:ext uri="{91240B29-F687-4f45-9708-019B960494DF}">
-                  <a14:hiddenLine xmlns:a14="http://schemas.microsoft.com/office/drawing/2010/main" xmlns:a16="http://schemas.microsoft.com/office/drawing/2014/main" xmlns="" w="9525">
+                  <a14:hiddenLine xmlns="" xmlns:a16="http://schemas.microsoft.com/office/drawing/2014/main" xmlns:a14="http://schemas.microsoft.com/office/drawing/2010/main" w="9525">
                     <a:solidFill>
                       <a:srgbClr val="000000"/>
                     </a:solidFill>
@@ -12845,7 +12845,7 @@
               </a:ln>
               <a:extLst>
                 <a:ext uri="{91240B29-F687-4f45-9708-019B960494DF}">
-                  <a14:hiddenLine xmlns:a14="http://schemas.microsoft.com/office/drawing/2010/main" xmlns:a16="http://schemas.microsoft.com/office/drawing/2014/main" xmlns="" w="9525">
+                  <a14:hiddenLine xmlns="" xmlns:a16="http://schemas.microsoft.com/office/drawing/2014/main" xmlns:a14="http://schemas.microsoft.com/office/drawing/2010/main" w="9525">
                     <a:solidFill>
                       <a:srgbClr val="000000"/>
                     </a:solidFill>
@@ -12922,7 +12922,7 @@
               </a:ln>
               <a:extLst>
                 <a:ext uri="{91240B29-F687-4f45-9708-019B960494DF}">
-                  <a14:hiddenLine xmlns:a14="http://schemas.microsoft.com/office/drawing/2010/main" xmlns:a16="http://schemas.microsoft.com/office/drawing/2014/main" xmlns="" w="9525">
+                  <a14:hiddenLine xmlns="" xmlns:a16="http://schemas.microsoft.com/office/drawing/2014/main" xmlns:a14="http://schemas.microsoft.com/office/drawing/2010/main" w="9525">
                     <a:solidFill>
                       <a:srgbClr val="000000"/>
                     </a:solidFill>
@@ -13027,7 +13027,7 @@
               </a:ln>
               <a:extLst>
                 <a:ext uri="{91240B29-F687-4f45-9708-019B960494DF}">
-                  <a14:hiddenLine xmlns:a14="http://schemas.microsoft.com/office/drawing/2010/main" xmlns:a16="http://schemas.microsoft.com/office/drawing/2014/main" xmlns="" w="9525">
+                  <a14:hiddenLine xmlns="" xmlns:a16="http://schemas.microsoft.com/office/drawing/2014/main" xmlns:a14="http://schemas.microsoft.com/office/drawing/2010/main" w="9525">
                     <a:solidFill>
                       <a:srgbClr val="000000"/>
                     </a:solidFill>
@@ -13104,7 +13104,7 @@
               </a:ln>
               <a:extLst>
                 <a:ext uri="{91240B29-F687-4f45-9708-019B960494DF}">
-                  <a14:hiddenLine xmlns:a14="http://schemas.microsoft.com/office/drawing/2010/main" xmlns:a16="http://schemas.microsoft.com/office/drawing/2014/main" xmlns="" w="9525">
+                  <a14:hiddenLine xmlns="" xmlns:a16="http://schemas.microsoft.com/office/drawing/2014/main" xmlns:a14="http://schemas.microsoft.com/office/drawing/2010/main" w="9525">
                     <a:solidFill>
                       <a:srgbClr val="000000"/>
                     </a:solidFill>
@@ -13181,7 +13181,7 @@
               </a:ln>
               <a:extLst>
                 <a:ext uri="{91240B29-F687-4f45-9708-019B960494DF}">
-                  <a14:hiddenLine xmlns:a14="http://schemas.microsoft.com/office/drawing/2010/main" xmlns:a16="http://schemas.microsoft.com/office/drawing/2014/main" xmlns="" w="9525">
+                  <a14:hiddenLine xmlns="" xmlns:a16="http://schemas.microsoft.com/office/drawing/2014/main" xmlns:a14="http://schemas.microsoft.com/office/drawing/2010/main" w="9525">
                     <a:solidFill>
                       <a:srgbClr val="000000"/>
                     </a:solidFill>
@@ -13286,7 +13286,7 @@
               </a:ln>
               <a:extLst>
                 <a:ext uri="{91240B29-F687-4f45-9708-019B960494DF}">
-                  <a14:hiddenLine xmlns:a14="http://schemas.microsoft.com/office/drawing/2010/main" xmlns:a16="http://schemas.microsoft.com/office/drawing/2014/main" xmlns="" w="9525">
+                  <a14:hiddenLine xmlns="" xmlns:a16="http://schemas.microsoft.com/office/drawing/2014/main" xmlns:a14="http://schemas.microsoft.com/office/drawing/2010/main" w="9525">
                     <a:solidFill>
                       <a:srgbClr val="000000"/>
                     </a:solidFill>
@@ -13391,7 +13391,7 @@
               </a:ln>
               <a:extLst>
                 <a:ext uri="{91240B29-F687-4f45-9708-019B960494DF}">
-                  <a14:hiddenLine xmlns:a14="http://schemas.microsoft.com/office/drawing/2010/main" xmlns:a16="http://schemas.microsoft.com/office/drawing/2014/main" xmlns="" w="9525">
+                  <a14:hiddenLine xmlns="" xmlns:a16="http://schemas.microsoft.com/office/drawing/2014/main" xmlns:a14="http://schemas.microsoft.com/office/drawing/2010/main" w="9525">
                     <a:solidFill>
                       <a:srgbClr val="000000"/>
                     </a:solidFill>
@@ -13468,7 +13468,7 @@
               </a:ln>
               <a:extLst>
                 <a:ext uri="{91240B29-F687-4f45-9708-019B960494DF}">
-                  <a14:hiddenLine xmlns:a14="http://schemas.microsoft.com/office/drawing/2010/main" xmlns:a16="http://schemas.microsoft.com/office/drawing/2014/main" xmlns="" w="9525">
+                  <a14:hiddenLine xmlns="" xmlns:a16="http://schemas.microsoft.com/office/drawing/2014/main" xmlns:a14="http://schemas.microsoft.com/office/drawing/2010/main" w="9525">
                     <a:solidFill>
                       <a:srgbClr val="000000"/>
                     </a:solidFill>
@@ -13593,7 +13593,7 @@
               </a:ln>
               <a:extLst>
                 <a:ext uri="{91240B29-F687-4f45-9708-019B960494DF}">
-                  <a14:hiddenLine xmlns:a14="http://schemas.microsoft.com/office/drawing/2010/main" xmlns:a16="http://schemas.microsoft.com/office/drawing/2014/main" xmlns="" w="9525">
+                  <a14:hiddenLine xmlns="" xmlns:a16="http://schemas.microsoft.com/office/drawing/2014/main" xmlns:a14="http://schemas.microsoft.com/office/drawing/2010/main" w="9525">
                     <a:solidFill>
                       <a:srgbClr val="000000"/>
                     </a:solidFill>
@@ -13707,7 +13707,7 @@
               </a:ln>
               <a:extLst>
                 <a:ext uri="{91240B29-F687-4f45-9708-019B960494DF}">
-                  <a14:hiddenLine xmlns:a14="http://schemas.microsoft.com/office/drawing/2010/main" xmlns:a16="http://schemas.microsoft.com/office/drawing/2014/main" xmlns="" w="9525">
+                  <a14:hiddenLine xmlns="" xmlns:a16="http://schemas.microsoft.com/office/drawing/2014/main" xmlns:a14="http://schemas.microsoft.com/office/drawing/2010/main" w="9525">
                     <a:solidFill>
                       <a:srgbClr val="000000"/>
                     </a:solidFill>
@@ -13784,7 +13784,7 @@
               </a:ln>
               <a:extLst>
                 <a:ext uri="{91240B29-F687-4f45-9708-019B960494DF}">
-                  <a14:hiddenLine xmlns:a14="http://schemas.microsoft.com/office/drawing/2010/main" xmlns:a16="http://schemas.microsoft.com/office/drawing/2014/main" xmlns="" w="9525">
+                  <a14:hiddenLine xmlns="" xmlns:a16="http://schemas.microsoft.com/office/drawing/2014/main" xmlns:a14="http://schemas.microsoft.com/office/drawing/2010/main" w="9525">
                     <a:solidFill>
                       <a:srgbClr val="000000"/>
                     </a:solidFill>
@@ -13861,7 +13861,7 @@
               </a:ln>
               <a:extLst>
                 <a:ext uri="{91240B29-F687-4f45-9708-019B960494DF}">
-                  <a14:hiddenLine xmlns:a14="http://schemas.microsoft.com/office/drawing/2010/main" xmlns:a16="http://schemas.microsoft.com/office/drawing/2014/main" xmlns="" w="9525">
+                  <a14:hiddenLine xmlns="" xmlns:a16="http://schemas.microsoft.com/office/drawing/2014/main" xmlns:a14="http://schemas.microsoft.com/office/drawing/2010/main" w="9525">
                     <a:solidFill>
                       <a:srgbClr val="000000"/>
                     </a:solidFill>
@@ -13966,7 +13966,7 @@
               </a:ln>
               <a:extLst>
                 <a:ext uri="{91240B29-F687-4f45-9708-019B960494DF}">
-                  <a14:hiddenLine xmlns:a14="http://schemas.microsoft.com/office/drawing/2010/main" xmlns:a16="http://schemas.microsoft.com/office/drawing/2014/main" xmlns="" w="9525">
+                  <a14:hiddenLine xmlns="" xmlns:a16="http://schemas.microsoft.com/office/drawing/2014/main" xmlns:a14="http://schemas.microsoft.com/office/drawing/2010/main" w="9525">
                     <a:solidFill>
                       <a:srgbClr val="000000"/>
                     </a:solidFill>
@@ -14015,7 +14015,7 @@
               </a:ln>
               <a:extLst>
                 <a:ext uri="{91240B29-F687-4f45-9708-019B960494DF}">
-                  <a14:hiddenLine xmlns:a14="http://schemas.microsoft.com/office/drawing/2010/main" xmlns:a16="http://schemas.microsoft.com/office/drawing/2014/main" xmlns="" w="9525">
+                  <a14:hiddenLine xmlns="" xmlns:a16="http://schemas.microsoft.com/office/drawing/2014/main" xmlns:a14="http://schemas.microsoft.com/office/drawing/2010/main" w="9525">
                     <a:solidFill>
                       <a:srgbClr val="000000"/>
                     </a:solidFill>
@@ -14095,7 +14095,7 @@
               </a:ln>
               <a:extLst>
                 <a:ext uri="{91240B29-F687-4f45-9708-019B960494DF}">
-                  <a14:hiddenLine xmlns:a14="http://schemas.microsoft.com/office/drawing/2010/main" xmlns:a16="http://schemas.microsoft.com/office/drawing/2014/main" xmlns="" w="9525">
+                  <a14:hiddenLine xmlns="" xmlns:a16="http://schemas.microsoft.com/office/drawing/2014/main" xmlns:a14="http://schemas.microsoft.com/office/drawing/2010/main" w="9525">
                     <a:solidFill>
                       <a:srgbClr val="000000"/>
                     </a:solidFill>
@@ -14200,7 +14200,7 @@
               </a:ln>
               <a:extLst>
                 <a:ext uri="{91240B29-F687-4f45-9708-019B960494DF}">
-                  <a14:hiddenLine xmlns:a14="http://schemas.microsoft.com/office/drawing/2010/main" xmlns:a16="http://schemas.microsoft.com/office/drawing/2014/main" xmlns="" w="9525">
+                  <a14:hiddenLine xmlns="" xmlns:a16="http://schemas.microsoft.com/office/drawing/2014/main" xmlns:a14="http://schemas.microsoft.com/office/drawing/2010/main" w="9525">
                     <a:solidFill>
                       <a:srgbClr val="000000"/>
                     </a:solidFill>
@@ -14277,7 +14277,7 @@
               </a:ln>
               <a:extLst>
                 <a:ext uri="{91240B29-F687-4f45-9708-019B960494DF}">
-                  <a14:hiddenLine xmlns:a14="http://schemas.microsoft.com/office/drawing/2010/main" xmlns:a16="http://schemas.microsoft.com/office/drawing/2014/main" xmlns="" w="9525">
+                  <a14:hiddenLine xmlns="" xmlns:a16="http://schemas.microsoft.com/office/drawing/2014/main" xmlns:a14="http://schemas.microsoft.com/office/drawing/2010/main" w="9525">
                     <a:solidFill>
                       <a:srgbClr val="000000"/>
                     </a:solidFill>
@@ -14382,7 +14382,7 @@
               </a:ln>
               <a:extLst>
                 <a:ext uri="{91240B29-F687-4f45-9708-019B960494DF}">
-                  <a14:hiddenLine xmlns:a14="http://schemas.microsoft.com/office/drawing/2010/main" xmlns:a16="http://schemas.microsoft.com/office/drawing/2014/main" xmlns="" w="9525">
+                  <a14:hiddenLine xmlns="" xmlns:a16="http://schemas.microsoft.com/office/drawing/2014/main" xmlns:a14="http://schemas.microsoft.com/office/drawing/2010/main" w="9525">
                     <a:solidFill>
                       <a:srgbClr val="000000"/>
                     </a:solidFill>
@@ -14462,7 +14462,7 @@
               </a:ln>
               <a:extLst>
                 <a:ext uri="{91240B29-F687-4f45-9708-019B960494DF}">
-                  <a14:hiddenLine xmlns:a14="http://schemas.microsoft.com/office/drawing/2010/main" xmlns:a16="http://schemas.microsoft.com/office/drawing/2014/main" xmlns="" w="9525">
+                  <a14:hiddenLine xmlns="" xmlns:a16="http://schemas.microsoft.com/office/drawing/2014/main" xmlns:a14="http://schemas.microsoft.com/office/drawing/2010/main" w="9525">
                     <a:solidFill>
                       <a:srgbClr val="000000"/>
                     </a:solidFill>
@@ -14539,7 +14539,7 @@
               </a:ln>
               <a:extLst>
                 <a:ext uri="{91240B29-F687-4f45-9708-019B960494DF}">
-                  <a14:hiddenLine xmlns:a14="http://schemas.microsoft.com/office/drawing/2010/main" xmlns:a16="http://schemas.microsoft.com/office/drawing/2014/main" xmlns="" w="9525">
+                  <a14:hiddenLine xmlns="" xmlns:a16="http://schemas.microsoft.com/office/drawing/2014/main" xmlns:a14="http://schemas.microsoft.com/office/drawing/2010/main" w="9525">
                     <a:solidFill>
                       <a:srgbClr val="000000"/>
                     </a:solidFill>
@@ -14644,7 +14644,7 @@
               </a:ln>
               <a:extLst>
                 <a:ext uri="{91240B29-F687-4f45-9708-019B960494DF}">
-                  <a14:hiddenLine xmlns:a14="http://schemas.microsoft.com/office/drawing/2010/main" xmlns:a16="http://schemas.microsoft.com/office/drawing/2014/main" xmlns="" w="9525">
+                  <a14:hiddenLine xmlns="" xmlns:a16="http://schemas.microsoft.com/office/drawing/2014/main" xmlns:a14="http://schemas.microsoft.com/office/drawing/2010/main" w="9525">
                     <a:solidFill>
                       <a:srgbClr val="000000"/>
                     </a:solidFill>
@@ -14749,7 +14749,7 @@
               </a:ln>
               <a:extLst>
                 <a:ext uri="{91240B29-F687-4f45-9708-019B960494DF}">
-                  <a14:hiddenLine xmlns:a14="http://schemas.microsoft.com/office/drawing/2010/main" xmlns:a16="http://schemas.microsoft.com/office/drawing/2014/main" xmlns="" w="9525">
+                  <a14:hiddenLine xmlns="" xmlns:a16="http://schemas.microsoft.com/office/drawing/2014/main" xmlns:a14="http://schemas.microsoft.com/office/drawing/2010/main" w="9525">
                     <a:solidFill>
                       <a:srgbClr val="000000"/>
                     </a:solidFill>
@@ -14829,7 +14829,7 @@
               </a:ln>
               <a:extLst>
                 <a:ext uri="{91240B29-F687-4f45-9708-019B960494DF}">
-                  <a14:hiddenLine xmlns:a14="http://schemas.microsoft.com/office/drawing/2010/main" xmlns:a16="http://schemas.microsoft.com/office/drawing/2014/main" xmlns="" w="9525">
+                  <a14:hiddenLine xmlns="" xmlns:a16="http://schemas.microsoft.com/office/drawing/2014/main" xmlns:a14="http://schemas.microsoft.com/office/drawing/2010/main" w="9525">
                     <a:solidFill>
                       <a:srgbClr val="000000"/>
                     </a:solidFill>
@@ -14964,7 +14964,7 @@
               </a:ln>
               <a:extLst>
                 <a:ext uri="{91240B29-F687-4f45-9708-019B960494DF}">
-                  <a14:hiddenLine xmlns:a14="http://schemas.microsoft.com/office/drawing/2010/main" xmlns:a16="http://schemas.microsoft.com/office/drawing/2014/main" xmlns="" w="9525">
+                  <a14:hiddenLine xmlns="" xmlns:a16="http://schemas.microsoft.com/office/drawing/2014/main" xmlns:a14="http://schemas.microsoft.com/office/drawing/2010/main" w="9525">
                     <a:solidFill>
                       <a:srgbClr val="000000"/>
                     </a:solidFill>
@@ -15092,7 +15092,7 @@
               </a:ln>
               <a:extLst>
                 <a:ext uri="{91240B29-F687-4f45-9708-019B960494DF}">
-                  <a14:hiddenLine xmlns:a14="http://schemas.microsoft.com/office/drawing/2010/main" xmlns:a16="http://schemas.microsoft.com/office/drawing/2014/main" xmlns="" w="9525">
+                  <a14:hiddenLine xmlns="" xmlns:a16="http://schemas.microsoft.com/office/drawing/2014/main" xmlns:a14="http://schemas.microsoft.com/office/drawing/2010/main" w="9525">
                     <a:solidFill>
                       <a:srgbClr val="000000"/>
                     </a:solidFill>
@@ -15222,7 +15222,7 @@
               </a:ln>
               <a:extLst>
                 <a:ext uri="{91240B29-F687-4f45-9708-019B960494DF}">
-                  <a14:hiddenLine xmlns:a14="http://schemas.microsoft.com/office/drawing/2010/main" xmlns:a16="http://schemas.microsoft.com/office/drawing/2014/main" xmlns="" w="9525">
+                  <a14:hiddenLine xmlns="" xmlns:a16="http://schemas.microsoft.com/office/drawing/2014/main" xmlns:a14="http://schemas.microsoft.com/office/drawing/2010/main" w="9525">
                     <a:solidFill>
                       <a:srgbClr val="000000"/>
                     </a:solidFill>
@@ -15327,7 +15327,7 @@
               </a:ln>
               <a:extLst>
                 <a:ext uri="{91240B29-F687-4f45-9708-019B960494DF}">
-                  <a14:hiddenLine xmlns:a14="http://schemas.microsoft.com/office/drawing/2010/main" xmlns:a16="http://schemas.microsoft.com/office/drawing/2014/main" xmlns="" w="9525">
+                  <a14:hiddenLine xmlns="" xmlns:a16="http://schemas.microsoft.com/office/drawing/2014/main" xmlns:a14="http://schemas.microsoft.com/office/drawing/2010/main" w="9525">
                     <a:solidFill>
                       <a:srgbClr val="000000"/>
                     </a:solidFill>
@@ -15407,7 +15407,7 @@
               </a:ln>
               <a:extLst>
                 <a:ext uri="{91240B29-F687-4f45-9708-019B960494DF}">
-                  <a14:hiddenLine xmlns:a14="http://schemas.microsoft.com/office/drawing/2010/main" xmlns:a16="http://schemas.microsoft.com/office/drawing/2014/main" xmlns="" w="9525">
+                  <a14:hiddenLine xmlns="" xmlns:a16="http://schemas.microsoft.com/office/drawing/2014/main" xmlns:a14="http://schemas.microsoft.com/office/drawing/2010/main" w="9525">
                     <a:solidFill>
                       <a:srgbClr val="000000"/>
                     </a:solidFill>
@@ -15512,7 +15512,7 @@
               </a:ln>
               <a:extLst>
                 <a:ext uri="{91240B29-F687-4f45-9708-019B960494DF}">
-                  <a14:hiddenLine xmlns:a14="http://schemas.microsoft.com/office/drawing/2010/main" xmlns:a16="http://schemas.microsoft.com/office/drawing/2014/main" xmlns="" w="9525">
+                  <a14:hiddenLine xmlns="" xmlns:a16="http://schemas.microsoft.com/office/drawing/2014/main" xmlns:a14="http://schemas.microsoft.com/office/drawing/2010/main" w="9525">
                     <a:solidFill>
                       <a:srgbClr val="000000"/>
                     </a:solidFill>
@@ -15595,7 +15595,7 @@
               </a:ln>
               <a:extLst>
                 <a:ext uri="{91240B29-F687-4f45-9708-019B960494DF}">
-                  <a14:hiddenLine xmlns:a14="http://schemas.microsoft.com/office/drawing/2010/main" xmlns:a16="http://schemas.microsoft.com/office/drawing/2014/main" xmlns="" w="9525">
+                  <a14:hiddenLine xmlns="" xmlns:a16="http://schemas.microsoft.com/office/drawing/2014/main" xmlns:a14="http://schemas.microsoft.com/office/drawing/2010/main" w="9525">
                     <a:solidFill>
                       <a:srgbClr val="000000"/>
                     </a:solidFill>
@@ -15700,7 +15700,7 @@
               </a:ln>
               <a:extLst>
                 <a:ext uri="{91240B29-F687-4f45-9708-019B960494DF}">
-                  <a14:hiddenLine xmlns:a14="http://schemas.microsoft.com/office/drawing/2010/main" xmlns:a16="http://schemas.microsoft.com/office/drawing/2014/main" xmlns="" w="9525">
+                  <a14:hiddenLine xmlns="" xmlns:a16="http://schemas.microsoft.com/office/drawing/2014/main" xmlns:a14="http://schemas.microsoft.com/office/drawing/2010/main" w="9525">
                     <a:solidFill>
                       <a:srgbClr val="000000"/>
                     </a:solidFill>
@@ -15783,7 +15783,7 @@
               </a:ln>
               <a:extLst>
                 <a:ext uri="{91240B29-F687-4f45-9708-019B960494DF}">
-                  <a14:hiddenLine xmlns:a14="http://schemas.microsoft.com/office/drawing/2010/main" xmlns:a16="http://schemas.microsoft.com/office/drawing/2014/main" xmlns="" w="9525">
+                  <a14:hiddenLine xmlns="" xmlns:a16="http://schemas.microsoft.com/office/drawing/2014/main" xmlns:a14="http://schemas.microsoft.com/office/drawing/2010/main" w="9525">
                     <a:solidFill>
                       <a:srgbClr val="000000"/>
                     </a:solidFill>
@@ -15888,7 +15888,7 @@
               </a:ln>
               <a:extLst>
                 <a:ext uri="{91240B29-F687-4f45-9708-019B960494DF}">
-                  <a14:hiddenLine xmlns:a14="http://schemas.microsoft.com/office/drawing/2010/main" xmlns:a16="http://schemas.microsoft.com/office/drawing/2014/main" xmlns="" w="9525">
+                  <a14:hiddenLine xmlns="" xmlns:a16="http://schemas.microsoft.com/office/drawing/2014/main" xmlns:a14="http://schemas.microsoft.com/office/drawing/2010/main" w="9525">
                     <a:solidFill>
                       <a:srgbClr val="000000"/>
                     </a:solidFill>
@@ -15937,7 +15937,7 @@
               </a:ln>
               <a:extLst>
                 <a:ext uri="{91240B29-F687-4f45-9708-019B960494DF}">
-                  <a14:hiddenLine xmlns:a14="http://schemas.microsoft.com/office/drawing/2010/main" xmlns:a16="http://schemas.microsoft.com/office/drawing/2014/main" xmlns="" w="9525">
+                  <a14:hiddenLine xmlns="" xmlns:a16="http://schemas.microsoft.com/office/drawing/2014/main" xmlns:a14="http://schemas.microsoft.com/office/drawing/2010/main" w="9525">
                     <a:solidFill>
                       <a:srgbClr val="000000"/>
                     </a:solidFill>
@@ -16084,7 +16084,7 @@
             </a:ln>
             <a:extLst>
               <a:ext uri="{91240B29-F687-4f45-9708-019B960494DF}">
-                <a14:hiddenLine xmlns:a14="http://schemas.microsoft.com/office/drawing/2010/main" xmlns:p14="http://schemas.microsoft.com/office/powerpoint/2010/main" xmlns:a16="http://schemas.microsoft.com/office/drawing/2014/main" xmlns="" w="9525">
+                <a14:hiddenLine xmlns="" xmlns:a16="http://schemas.microsoft.com/office/drawing/2014/main" xmlns:p14="http://schemas.microsoft.com/office/powerpoint/2010/main" xmlns:a14="http://schemas.microsoft.com/office/drawing/2010/main" w="9525">
                   <a:solidFill>
                     <a:srgbClr val="000000"/>
                   </a:solidFill>
@@ -16189,7 +16189,7 @@
             </a:ln>
             <a:extLst>
               <a:ext uri="{91240B29-F687-4f45-9708-019B960494DF}">
-                <a14:hiddenLine xmlns:a14="http://schemas.microsoft.com/office/drawing/2010/main" xmlns:p14="http://schemas.microsoft.com/office/powerpoint/2010/main" xmlns:a16="http://schemas.microsoft.com/office/drawing/2014/main" xmlns="" w="9525">
+                <a14:hiddenLine xmlns="" xmlns:a16="http://schemas.microsoft.com/office/drawing/2014/main" xmlns:p14="http://schemas.microsoft.com/office/powerpoint/2010/main" xmlns:a14="http://schemas.microsoft.com/office/drawing/2010/main" w="9525">
                   <a:solidFill>
                     <a:srgbClr val="000000"/>
                   </a:solidFill>
@@ -16294,7 +16294,7 @@
             </a:ln>
             <a:extLst>
               <a:ext uri="{91240B29-F687-4f45-9708-019B960494DF}">
-                <a14:hiddenLine xmlns:a14="http://schemas.microsoft.com/office/drawing/2010/main" xmlns:p14="http://schemas.microsoft.com/office/powerpoint/2010/main" xmlns:a16="http://schemas.microsoft.com/office/drawing/2014/main" xmlns="" w="9525">
+                <a14:hiddenLine xmlns="" xmlns:a16="http://schemas.microsoft.com/office/drawing/2014/main" xmlns:p14="http://schemas.microsoft.com/office/powerpoint/2010/main" xmlns:a14="http://schemas.microsoft.com/office/drawing/2010/main" w="9525">
                   <a:solidFill>
                     <a:srgbClr val="000000"/>
                   </a:solidFill>
@@ -16371,7 +16371,7 @@
             </a:ln>
             <a:extLst>
               <a:ext uri="{91240B29-F687-4f45-9708-019B960494DF}">
-                <a14:hiddenLine xmlns:a14="http://schemas.microsoft.com/office/drawing/2010/main" xmlns:p14="http://schemas.microsoft.com/office/powerpoint/2010/main" xmlns:a16="http://schemas.microsoft.com/office/drawing/2014/main" xmlns="" w="9525">
+                <a14:hiddenLine xmlns="" xmlns:a16="http://schemas.microsoft.com/office/drawing/2014/main" xmlns:p14="http://schemas.microsoft.com/office/powerpoint/2010/main" xmlns:a14="http://schemas.microsoft.com/office/drawing/2010/main" w="9525">
                   <a:solidFill>
                     <a:srgbClr val="000000"/>
                   </a:solidFill>
@@ -16476,7 +16476,7 @@
             </a:ln>
             <a:extLst>
               <a:ext uri="{91240B29-F687-4f45-9708-019B960494DF}">
-                <a14:hiddenLine xmlns:a14="http://schemas.microsoft.com/office/drawing/2010/main" xmlns:p14="http://schemas.microsoft.com/office/powerpoint/2010/main" xmlns:a16="http://schemas.microsoft.com/office/drawing/2014/main" xmlns="" w="9525">
+                <a14:hiddenLine xmlns="" xmlns:a16="http://schemas.microsoft.com/office/drawing/2014/main" xmlns:p14="http://schemas.microsoft.com/office/powerpoint/2010/main" xmlns:a14="http://schemas.microsoft.com/office/drawing/2010/main" w="9525">
                   <a:solidFill>
                     <a:srgbClr val="000000"/>
                   </a:solidFill>
@@ -16553,7 +16553,7 @@
             </a:ln>
             <a:extLst>
               <a:ext uri="{91240B29-F687-4f45-9708-019B960494DF}">
-                <a14:hiddenLine xmlns:a14="http://schemas.microsoft.com/office/drawing/2010/main" xmlns:p14="http://schemas.microsoft.com/office/powerpoint/2010/main" xmlns:a16="http://schemas.microsoft.com/office/drawing/2014/main" xmlns="" w="9525">
+                <a14:hiddenLine xmlns="" xmlns:a16="http://schemas.microsoft.com/office/drawing/2014/main" xmlns:p14="http://schemas.microsoft.com/office/powerpoint/2010/main" xmlns:a14="http://schemas.microsoft.com/office/drawing/2010/main" w="9525">
                   <a:solidFill>
                     <a:srgbClr val="000000"/>
                   </a:solidFill>
@@ -16630,7 +16630,7 @@
             </a:ln>
             <a:extLst>
               <a:ext uri="{91240B29-F687-4f45-9708-019B960494DF}">
-                <a14:hiddenLine xmlns:a14="http://schemas.microsoft.com/office/drawing/2010/main" xmlns:p14="http://schemas.microsoft.com/office/powerpoint/2010/main" xmlns:a16="http://schemas.microsoft.com/office/drawing/2014/main" xmlns="" w="9525">
+                <a14:hiddenLine xmlns="" xmlns:a16="http://schemas.microsoft.com/office/drawing/2014/main" xmlns:p14="http://schemas.microsoft.com/office/powerpoint/2010/main" xmlns:a14="http://schemas.microsoft.com/office/drawing/2010/main" w="9525">
                   <a:solidFill>
                     <a:srgbClr val="000000"/>
                   </a:solidFill>
@@ -16735,7 +16735,7 @@
             </a:ln>
             <a:extLst>
               <a:ext uri="{91240B29-F687-4f45-9708-019B960494DF}">
-                <a14:hiddenLine xmlns:a14="http://schemas.microsoft.com/office/drawing/2010/main" xmlns:p14="http://schemas.microsoft.com/office/powerpoint/2010/main" xmlns:a16="http://schemas.microsoft.com/office/drawing/2014/main" xmlns="" w="9525">
+                <a14:hiddenLine xmlns="" xmlns:a16="http://schemas.microsoft.com/office/drawing/2014/main" xmlns:p14="http://schemas.microsoft.com/office/powerpoint/2010/main" xmlns:a14="http://schemas.microsoft.com/office/drawing/2010/main" w="9525">
                   <a:solidFill>
                     <a:srgbClr val="000000"/>
                   </a:solidFill>
@@ -16840,7 +16840,7 @@
             </a:ln>
             <a:extLst>
               <a:ext uri="{91240B29-F687-4f45-9708-019B960494DF}">
-                <a14:hiddenLine xmlns:a14="http://schemas.microsoft.com/office/drawing/2010/main" xmlns:p14="http://schemas.microsoft.com/office/powerpoint/2010/main" xmlns:a16="http://schemas.microsoft.com/office/drawing/2014/main" xmlns="" w="9525">
+                <a14:hiddenLine xmlns="" xmlns:a16="http://schemas.microsoft.com/office/drawing/2014/main" xmlns:p14="http://schemas.microsoft.com/office/powerpoint/2010/main" xmlns:a14="http://schemas.microsoft.com/office/drawing/2010/main" w="9525">
                   <a:solidFill>
                     <a:srgbClr val="000000"/>
                   </a:solidFill>
@@ -16917,7 +16917,7 @@
             </a:ln>
             <a:extLst>
               <a:ext uri="{91240B29-F687-4f45-9708-019B960494DF}">
-                <a14:hiddenLine xmlns:a14="http://schemas.microsoft.com/office/drawing/2010/main" xmlns:p14="http://schemas.microsoft.com/office/powerpoint/2010/main" xmlns:a16="http://schemas.microsoft.com/office/drawing/2014/main" xmlns="" w="9525">
+                <a14:hiddenLine xmlns="" xmlns:a16="http://schemas.microsoft.com/office/drawing/2014/main" xmlns:p14="http://schemas.microsoft.com/office/powerpoint/2010/main" xmlns:a14="http://schemas.microsoft.com/office/drawing/2010/main" w="9525">
                   <a:solidFill>
                     <a:srgbClr val="000000"/>
                   </a:solidFill>
@@ -17042,7 +17042,7 @@
             </a:ln>
             <a:extLst>
               <a:ext uri="{91240B29-F687-4f45-9708-019B960494DF}">
-                <a14:hiddenLine xmlns:a14="http://schemas.microsoft.com/office/drawing/2010/main" xmlns:p14="http://schemas.microsoft.com/office/powerpoint/2010/main" xmlns:a16="http://schemas.microsoft.com/office/drawing/2014/main" xmlns="" w="9525">
+                <a14:hiddenLine xmlns="" xmlns:a16="http://schemas.microsoft.com/office/drawing/2014/main" xmlns:p14="http://schemas.microsoft.com/office/powerpoint/2010/main" xmlns:a14="http://schemas.microsoft.com/office/drawing/2010/main" w="9525">
                   <a:solidFill>
                     <a:srgbClr val="000000"/>
                   </a:solidFill>
@@ -17156,7 +17156,7 @@
             </a:ln>
             <a:extLst>
               <a:ext uri="{91240B29-F687-4f45-9708-019B960494DF}">
-                <a14:hiddenLine xmlns:a14="http://schemas.microsoft.com/office/drawing/2010/main" xmlns:p14="http://schemas.microsoft.com/office/powerpoint/2010/main" xmlns:a16="http://schemas.microsoft.com/office/drawing/2014/main" xmlns="" w="9525">
+                <a14:hiddenLine xmlns="" xmlns:a16="http://schemas.microsoft.com/office/drawing/2014/main" xmlns:p14="http://schemas.microsoft.com/office/powerpoint/2010/main" xmlns:a14="http://schemas.microsoft.com/office/drawing/2010/main" w="9525">
                   <a:solidFill>
                     <a:srgbClr val="000000"/>
                   </a:solidFill>
@@ -17233,7 +17233,7 @@
             </a:ln>
             <a:extLst>
               <a:ext uri="{91240B29-F687-4f45-9708-019B960494DF}">
-                <a14:hiddenLine xmlns:a14="http://schemas.microsoft.com/office/drawing/2010/main" xmlns:p14="http://schemas.microsoft.com/office/powerpoint/2010/main" xmlns:a16="http://schemas.microsoft.com/office/drawing/2014/main" xmlns="" w="9525">
+                <a14:hiddenLine xmlns="" xmlns:a16="http://schemas.microsoft.com/office/drawing/2014/main" xmlns:p14="http://schemas.microsoft.com/office/powerpoint/2010/main" xmlns:a14="http://schemas.microsoft.com/office/drawing/2010/main" w="9525">
                   <a:solidFill>
                     <a:srgbClr val="000000"/>
                   </a:solidFill>
@@ -17310,7 +17310,7 @@
             </a:ln>
             <a:extLst>
               <a:ext uri="{91240B29-F687-4f45-9708-019B960494DF}">
-                <a14:hiddenLine xmlns:a14="http://schemas.microsoft.com/office/drawing/2010/main" xmlns:p14="http://schemas.microsoft.com/office/powerpoint/2010/main" xmlns:a16="http://schemas.microsoft.com/office/drawing/2014/main" xmlns="" w="9525">
+                <a14:hiddenLine xmlns="" xmlns:a16="http://schemas.microsoft.com/office/drawing/2014/main" xmlns:p14="http://schemas.microsoft.com/office/powerpoint/2010/main" xmlns:a14="http://schemas.microsoft.com/office/drawing/2010/main" w="9525">
                   <a:solidFill>
                     <a:srgbClr val="000000"/>
                   </a:solidFill>
@@ -17415,7 +17415,7 @@
             </a:ln>
             <a:extLst>
               <a:ext uri="{91240B29-F687-4f45-9708-019B960494DF}">
-                <a14:hiddenLine xmlns:a14="http://schemas.microsoft.com/office/drawing/2010/main" xmlns:p14="http://schemas.microsoft.com/office/powerpoint/2010/main" xmlns:a16="http://schemas.microsoft.com/office/drawing/2014/main" xmlns="" w="9525">
+                <a14:hiddenLine xmlns="" xmlns:a16="http://schemas.microsoft.com/office/drawing/2014/main" xmlns:p14="http://schemas.microsoft.com/office/powerpoint/2010/main" xmlns:a14="http://schemas.microsoft.com/office/drawing/2010/main" w="9525">
                   <a:solidFill>
                     <a:srgbClr val="000000"/>
                   </a:solidFill>
@@ -17464,7 +17464,7 @@
             </a:ln>
             <a:extLst>
               <a:ext uri="{91240B29-F687-4f45-9708-019B960494DF}">
-                <a14:hiddenLine xmlns:a14="http://schemas.microsoft.com/office/drawing/2010/main" xmlns:p14="http://schemas.microsoft.com/office/powerpoint/2010/main" xmlns:a16="http://schemas.microsoft.com/office/drawing/2014/main" xmlns="" w="9525">
+                <a14:hiddenLine xmlns="" xmlns:a16="http://schemas.microsoft.com/office/drawing/2014/main" xmlns:p14="http://schemas.microsoft.com/office/powerpoint/2010/main" xmlns:a14="http://schemas.microsoft.com/office/drawing/2010/main" w="9525">
                   <a:solidFill>
                     <a:srgbClr val="000000"/>
                   </a:solidFill>
@@ -17544,7 +17544,7 @@
             </a:ln>
             <a:extLst>
               <a:ext uri="{91240B29-F687-4f45-9708-019B960494DF}">
-                <a14:hiddenLine xmlns:a14="http://schemas.microsoft.com/office/drawing/2010/main" xmlns:p14="http://schemas.microsoft.com/office/powerpoint/2010/main" xmlns:a16="http://schemas.microsoft.com/office/drawing/2014/main" xmlns="" w="9525">
+                <a14:hiddenLine xmlns="" xmlns:a16="http://schemas.microsoft.com/office/drawing/2014/main" xmlns:p14="http://schemas.microsoft.com/office/powerpoint/2010/main" xmlns:a14="http://schemas.microsoft.com/office/drawing/2010/main" w="9525">
                   <a:solidFill>
                     <a:srgbClr val="000000"/>
                   </a:solidFill>
@@ -17649,7 +17649,7 @@
             </a:ln>
             <a:extLst>
               <a:ext uri="{91240B29-F687-4f45-9708-019B960494DF}">
-                <a14:hiddenLine xmlns:a14="http://schemas.microsoft.com/office/drawing/2010/main" xmlns:p14="http://schemas.microsoft.com/office/powerpoint/2010/main" xmlns:a16="http://schemas.microsoft.com/office/drawing/2014/main" xmlns="" w="9525">
+                <a14:hiddenLine xmlns="" xmlns:a16="http://schemas.microsoft.com/office/drawing/2014/main" xmlns:p14="http://schemas.microsoft.com/office/powerpoint/2010/main" xmlns:a14="http://schemas.microsoft.com/office/drawing/2010/main" w="9525">
                   <a:solidFill>
                     <a:srgbClr val="000000"/>
                   </a:solidFill>
@@ -17726,7 +17726,7 @@
             </a:ln>
             <a:extLst>
               <a:ext uri="{91240B29-F687-4f45-9708-019B960494DF}">
-                <a14:hiddenLine xmlns:a14="http://schemas.microsoft.com/office/drawing/2010/main" xmlns:p14="http://schemas.microsoft.com/office/powerpoint/2010/main" xmlns:a16="http://schemas.microsoft.com/office/drawing/2014/main" xmlns="" w="9525">
+                <a14:hiddenLine xmlns="" xmlns:a16="http://schemas.microsoft.com/office/drawing/2014/main" xmlns:p14="http://schemas.microsoft.com/office/powerpoint/2010/main" xmlns:a14="http://schemas.microsoft.com/office/drawing/2010/main" w="9525">
                   <a:solidFill>
                     <a:srgbClr val="000000"/>
                   </a:solidFill>
@@ -17831,7 +17831,7 @@
             </a:ln>
             <a:extLst>
               <a:ext uri="{91240B29-F687-4f45-9708-019B960494DF}">
-                <a14:hiddenLine xmlns:a14="http://schemas.microsoft.com/office/drawing/2010/main" xmlns:p14="http://schemas.microsoft.com/office/powerpoint/2010/main" xmlns:a16="http://schemas.microsoft.com/office/drawing/2014/main" xmlns="" w="9525">
+                <a14:hiddenLine xmlns="" xmlns:a16="http://schemas.microsoft.com/office/drawing/2014/main" xmlns:p14="http://schemas.microsoft.com/office/powerpoint/2010/main" xmlns:a14="http://schemas.microsoft.com/office/drawing/2010/main" w="9525">
                   <a:solidFill>
                     <a:srgbClr val="000000"/>
                   </a:solidFill>
@@ -17911,7 +17911,7 @@
             </a:ln>
             <a:extLst>
               <a:ext uri="{91240B29-F687-4f45-9708-019B960494DF}">
-                <a14:hiddenLine xmlns:a14="http://schemas.microsoft.com/office/drawing/2010/main" xmlns:p14="http://schemas.microsoft.com/office/powerpoint/2010/main" xmlns:a16="http://schemas.microsoft.com/office/drawing/2014/main" xmlns="" w="9525">
+                <a14:hiddenLine xmlns="" xmlns:a16="http://schemas.microsoft.com/office/drawing/2014/main" xmlns:p14="http://schemas.microsoft.com/office/powerpoint/2010/main" xmlns:a14="http://schemas.microsoft.com/office/drawing/2010/main" w="9525">
                   <a:solidFill>
                     <a:srgbClr val="000000"/>
                   </a:solidFill>
@@ -17988,7 +17988,7 @@
             </a:ln>
             <a:extLst>
               <a:ext uri="{91240B29-F687-4f45-9708-019B960494DF}">
-                <a14:hiddenLine xmlns:a14="http://schemas.microsoft.com/office/drawing/2010/main" xmlns:p14="http://schemas.microsoft.com/office/powerpoint/2010/main" xmlns:a16="http://schemas.microsoft.com/office/drawing/2014/main" xmlns="" w="9525">
+                <a14:hiddenLine xmlns="" xmlns:a16="http://schemas.microsoft.com/office/drawing/2014/main" xmlns:p14="http://schemas.microsoft.com/office/powerpoint/2010/main" xmlns:a14="http://schemas.microsoft.com/office/drawing/2010/main" w="9525">
                   <a:solidFill>
                     <a:srgbClr val="000000"/>
                   </a:solidFill>
@@ -18093,7 +18093,7 @@
             </a:ln>
             <a:extLst>
               <a:ext uri="{91240B29-F687-4f45-9708-019B960494DF}">
-                <a14:hiddenLine xmlns:a14="http://schemas.microsoft.com/office/drawing/2010/main" xmlns:p14="http://schemas.microsoft.com/office/powerpoint/2010/main" xmlns:a16="http://schemas.microsoft.com/office/drawing/2014/main" xmlns="" w="9525">
+                <a14:hiddenLine xmlns="" xmlns:a16="http://schemas.microsoft.com/office/drawing/2014/main" xmlns:p14="http://schemas.microsoft.com/office/powerpoint/2010/main" xmlns:a14="http://schemas.microsoft.com/office/drawing/2010/main" w="9525">
                   <a:solidFill>
                     <a:srgbClr val="000000"/>
                   </a:solidFill>
@@ -18198,7 +18198,7 @@
             </a:ln>
             <a:extLst>
               <a:ext uri="{91240B29-F687-4f45-9708-019B960494DF}">
-                <a14:hiddenLine xmlns:a14="http://schemas.microsoft.com/office/drawing/2010/main" xmlns:p14="http://schemas.microsoft.com/office/powerpoint/2010/main" xmlns:a16="http://schemas.microsoft.com/office/drawing/2014/main" xmlns="" w="9525">
+                <a14:hiddenLine xmlns="" xmlns:a16="http://schemas.microsoft.com/office/drawing/2014/main" xmlns:p14="http://schemas.microsoft.com/office/powerpoint/2010/main" xmlns:a14="http://schemas.microsoft.com/office/drawing/2010/main" w="9525">
                   <a:solidFill>
                     <a:srgbClr val="000000"/>
                   </a:solidFill>
@@ -18278,7 +18278,7 @@
             </a:ln>
             <a:extLst>
               <a:ext uri="{91240B29-F687-4f45-9708-019B960494DF}">
-                <a14:hiddenLine xmlns:a14="http://schemas.microsoft.com/office/drawing/2010/main" xmlns:p14="http://schemas.microsoft.com/office/powerpoint/2010/main" xmlns:a16="http://schemas.microsoft.com/office/drawing/2014/main" xmlns="" w="9525">
+                <a14:hiddenLine xmlns="" xmlns:a16="http://schemas.microsoft.com/office/drawing/2014/main" xmlns:p14="http://schemas.microsoft.com/office/powerpoint/2010/main" xmlns:a14="http://schemas.microsoft.com/office/drawing/2010/main" w="9525">
                   <a:solidFill>
                     <a:srgbClr val="000000"/>
                   </a:solidFill>
@@ -18413,7 +18413,7 @@
             </a:ln>
             <a:extLst>
               <a:ext uri="{91240B29-F687-4f45-9708-019B960494DF}">
-                <a14:hiddenLine xmlns:a14="http://schemas.microsoft.com/office/drawing/2010/main" xmlns:p14="http://schemas.microsoft.com/office/powerpoint/2010/main" xmlns:a16="http://schemas.microsoft.com/office/drawing/2014/main" xmlns="" w="9525">
+                <a14:hiddenLine xmlns="" xmlns:a16="http://schemas.microsoft.com/office/drawing/2014/main" xmlns:p14="http://schemas.microsoft.com/office/powerpoint/2010/main" xmlns:a14="http://schemas.microsoft.com/office/drawing/2010/main" w="9525">
                   <a:solidFill>
                     <a:srgbClr val="000000"/>
                   </a:solidFill>
@@ -18709,7 +18709,7 @@
             </a:ln>
             <a:extLst>
               <a:ext uri="{91240B29-F687-4f45-9708-019B960494DF}">
-                <a14:hiddenLine xmlns:a14="http://schemas.microsoft.com/office/drawing/2010/main" xmlns:p14="http://schemas.microsoft.com/office/powerpoint/2010/main" xmlns:a16="http://schemas.microsoft.com/office/drawing/2014/main" xmlns="" w="9525">
+                <a14:hiddenLine xmlns="" xmlns:a16="http://schemas.microsoft.com/office/drawing/2014/main" xmlns:p14="http://schemas.microsoft.com/office/powerpoint/2010/main" xmlns:a14="http://schemas.microsoft.com/office/drawing/2010/main" w="9525">
                   <a:solidFill>
                     <a:srgbClr val="000000"/>
                   </a:solidFill>
@@ -18839,7 +18839,7 @@
             </a:ln>
             <a:extLst>
               <a:ext uri="{91240B29-F687-4f45-9708-019B960494DF}">
-                <a14:hiddenLine xmlns:a14="http://schemas.microsoft.com/office/drawing/2010/main" xmlns:p14="http://schemas.microsoft.com/office/powerpoint/2010/main" xmlns:a16="http://schemas.microsoft.com/office/drawing/2014/main" xmlns="" w="9525">
+                <a14:hiddenLine xmlns="" xmlns:a16="http://schemas.microsoft.com/office/drawing/2014/main" xmlns:p14="http://schemas.microsoft.com/office/powerpoint/2010/main" xmlns:a14="http://schemas.microsoft.com/office/drawing/2010/main" w="9525">
                   <a:solidFill>
                     <a:srgbClr val="000000"/>
                   </a:solidFill>
@@ -18944,7 +18944,7 @@
             </a:ln>
             <a:extLst>
               <a:ext uri="{91240B29-F687-4f45-9708-019B960494DF}">
-                <a14:hiddenLine xmlns:a14="http://schemas.microsoft.com/office/drawing/2010/main" xmlns:p14="http://schemas.microsoft.com/office/powerpoint/2010/main" xmlns:a16="http://schemas.microsoft.com/office/drawing/2014/main" xmlns="" w="9525">
+                <a14:hiddenLine xmlns="" xmlns:a16="http://schemas.microsoft.com/office/drawing/2014/main" xmlns:p14="http://schemas.microsoft.com/office/powerpoint/2010/main" xmlns:a14="http://schemas.microsoft.com/office/drawing/2010/main" w="9525">
                   <a:solidFill>
                     <a:srgbClr val="000000"/>
                   </a:solidFill>
@@ -19024,7 +19024,7 @@
             </a:ln>
             <a:extLst>
               <a:ext uri="{91240B29-F687-4f45-9708-019B960494DF}">
-                <a14:hiddenLine xmlns:a14="http://schemas.microsoft.com/office/drawing/2010/main" xmlns:p14="http://schemas.microsoft.com/office/powerpoint/2010/main" xmlns:a16="http://schemas.microsoft.com/office/drawing/2014/main" xmlns="" w="9525">
+                <a14:hiddenLine xmlns="" xmlns:a16="http://schemas.microsoft.com/office/drawing/2014/main" xmlns:p14="http://schemas.microsoft.com/office/powerpoint/2010/main" xmlns:a14="http://schemas.microsoft.com/office/drawing/2010/main" w="9525">
                   <a:solidFill>
                     <a:srgbClr val="000000"/>
                   </a:solidFill>
@@ -19129,7 +19129,7 @@
             </a:ln>
             <a:extLst>
               <a:ext uri="{91240B29-F687-4f45-9708-019B960494DF}">
-                <a14:hiddenLine xmlns:a14="http://schemas.microsoft.com/office/drawing/2010/main" xmlns:p14="http://schemas.microsoft.com/office/powerpoint/2010/main" xmlns:a16="http://schemas.microsoft.com/office/drawing/2014/main" xmlns="" w="9525">
+                <a14:hiddenLine xmlns="" xmlns:a16="http://schemas.microsoft.com/office/drawing/2014/main" xmlns:p14="http://schemas.microsoft.com/office/powerpoint/2010/main" xmlns:a14="http://schemas.microsoft.com/office/drawing/2010/main" w="9525">
                   <a:solidFill>
                     <a:srgbClr val="000000"/>
                   </a:solidFill>
@@ -19212,7 +19212,7 @@
             </a:ln>
             <a:extLst>
               <a:ext uri="{91240B29-F687-4f45-9708-019B960494DF}">
-                <a14:hiddenLine xmlns:a14="http://schemas.microsoft.com/office/drawing/2010/main" xmlns:p14="http://schemas.microsoft.com/office/powerpoint/2010/main" xmlns:a16="http://schemas.microsoft.com/office/drawing/2014/main" xmlns="" w="9525">
+                <a14:hiddenLine xmlns="" xmlns:a16="http://schemas.microsoft.com/office/drawing/2014/main" xmlns:p14="http://schemas.microsoft.com/office/powerpoint/2010/main" xmlns:a14="http://schemas.microsoft.com/office/drawing/2010/main" w="9525">
                   <a:solidFill>
                     <a:srgbClr val="000000"/>
                   </a:solidFill>
@@ -19317,7 +19317,7 @@
             </a:ln>
             <a:extLst>
               <a:ext uri="{91240B29-F687-4f45-9708-019B960494DF}">
-                <a14:hiddenLine xmlns:a14="http://schemas.microsoft.com/office/drawing/2010/main" xmlns:p14="http://schemas.microsoft.com/office/powerpoint/2010/main" xmlns:a16="http://schemas.microsoft.com/office/drawing/2014/main" xmlns="" w="9525">
+                <a14:hiddenLine xmlns="" xmlns:a16="http://schemas.microsoft.com/office/drawing/2014/main" xmlns:p14="http://schemas.microsoft.com/office/powerpoint/2010/main" xmlns:a14="http://schemas.microsoft.com/office/drawing/2010/main" w="9525">
                   <a:solidFill>
                     <a:srgbClr val="000000"/>
                   </a:solidFill>
@@ -19400,7 +19400,7 @@
             </a:ln>
             <a:extLst>
               <a:ext uri="{91240B29-F687-4f45-9708-019B960494DF}">
-                <a14:hiddenLine xmlns:a14="http://schemas.microsoft.com/office/drawing/2010/main" xmlns:p14="http://schemas.microsoft.com/office/powerpoint/2010/main" xmlns:a16="http://schemas.microsoft.com/office/drawing/2014/main" xmlns="" w="9525">
+                <a14:hiddenLine xmlns="" xmlns:a16="http://schemas.microsoft.com/office/drawing/2014/main" xmlns:p14="http://schemas.microsoft.com/office/powerpoint/2010/main" xmlns:a14="http://schemas.microsoft.com/office/drawing/2010/main" w="9525">
                   <a:solidFill>
                     <a:srgbClr val="000000"/>
                   </a:solidFill>
@@ -19505,7 +19505,7 @@
             </a:ln>
             <a:extLst>
               <a:ext uri="{91240B29-F687-4f45-9708-019B960494DF}">
-                <a14:hiddenLine xmlns:a14="http://schemas.microsoft.com/office/drawing/2010/main" xmlns:p14="http://schemas.microsoft.com/office/powerpoint/2010/main" xmlns:a16="http://schemas.microsoft.com/office/drawing/2014/main" xmlns="" w="9525">
+                <a14:hiddenLine xmlns="" xmlns:a16="http://schemas.microsoft.com/office/drawing/2014/main" xmlns:p14="http://schemas.microsoft.com/office/powerpoint/2010/main" xmlns:a14="http://schemas.microsoft.com/office/drawing/2010/main" w="9525">
                   <a:solidFill>
                     <a:srgbClr val="000000"/>
                   </a:solidFill>
@@ -19554,7 +19554,7 @@
             </a:ln>
             <a:extLst>
               <a:ext uri="{91240B29-F687-4f45-9708-019B960494DF}">
-                <a14:hiddenLine xmlns:a14="http://schemas.microsoft.com/office/drawing/2010/main" xmlns:p14="http://schemas.microsoft.com/office/powerpoint/2010/main" xmlns:a16="http://schemas.microsoft.com/office/drawing/2014/main" xmlns="" w="9525">
+                <a14:hiddenLine xmlns="" xmlns:a16="http://schemas.microsoft.com/office/drawing/2014/main" xmlns:p14="http://schemas.microsoft.com/office/powerpoint/2010/main" xmlns:a14="http://schemas.microsoft.com/office/drawing/2010/main" w="9525">
                   <a:solidFill>
                     <a:srgbClr val="000000"/>
                   </a:solidFill>
@@ -20073,6 +20073,275 @@
           </a:p>
         </p:txBody>
       </p:sp>
+      <p:sp>
+        <p:nvSpPr>
+          <p:cNvPr id="3" name="Oval 2">
+            <a:extLst>
+              <a:ext uri="{FF2B5EF4-FFF2-40B4-BE49-F238E27FC236}">
+                <a16:creationId xmlns:a16="http://schemas.microsoft.com/office/drawing/2014/main" id="{1C0C0389-732A-4B31-AED8-3723A04A1538}"/>
+              </a:ext>
+            </a:extLst>
+          </p:cNvPr>
+          <p:cNvSpPr/>
+          <p:nvPr/>
+        </p:nvSpPr>
+        <p:spPr>
+          <a:xfrm>
+            <a:off x="5317588" y="2757268"/>
+            <a:ext cx="1012874" cy="281354"/>
+          </a:xfrm>
+          <a:prstGeom prst="ellipse">
+            <a:avLst/>
+          </a:prstGeom>
+          <a:solidFill>
+            <a:schemeClr val="accent1">
+              <a:alpha val="54000"/>
+            </a:schemeClr>
+          </a:solidFill>
+        </p:spPr>
+        <p:style>
+          <a:lnRef idx="2">
+            <a:schemeClr val="accent1">
+              <a:shade val="50000"/>
+            </a:schemeClr>
+          </a:lnRef>
+          <a:fillRef idx="1">
+            <a:schemeClr val="accent1"/>
+          </a:fillRef>
+          <a:effectRef idx="0">
+            <a:schemeClr val="accent1"/>
+          </a:effectRef>
+          <a:fontRef idx="minor">
+            <a:schemeClr val="lt1"/>
+          </a:fontRef>
+        </p:style>
+        <p:txBody>
+          <a:bodyPr rtlCol="0" anchor="ctr"/>
+          <a:lstStyle/>
+          <a:p>
+            <a:pPr algn="ctr"/>
+            <a:endParaRPr lang="en-CA"/>
+          </a:p>
+        </p:txBody>
+      </p:sp>
+      <p:cxnSp>
+        <p:nvCxnSpPr>
+          <p:cNvPr id="12" name="Straight Arrow Connector 11">
+            <a:extLst>
+              <a:ext uri="{FF2B5EF4-FFF2-40B4-BE49-F238E27FC236}">
+                <a16:creationId xmlns:a16="http://schemas.microsoft.com/office/drawing/2014/main" id="{57A4E5F3-115E-4E2C-8BC8-640D31319177}"/>
+              </a:ext>
+            </a:extLst>
+          </p:cNvPr>
+          <p:cNvCxnSpPr>
+            <a:cxnSpLocks/>
+          </p:cNvCxnSpPr>
+          <p:nvPr/>
+        </p:nvCxnSpPr>
+        <p:spPr>
+          <a:xfrm>
+            <a:off x="4460667" y="1505243"/>
+            <a:ext cx="1166410" cy="1252025"/>
+          </a:xfrm>
+          <a:prstGeom prst="straightConnector1">
+            <a:avLst/>
+          </a:prstGeom>
+          <a:ln>
+            <a:tailEnd type="triangle"/>
+          </a:ln>
+        </p:spPr>
+        <p:style>
+          <a:lnRef idx="1">
+            <a:schemeClr val="accent1"/>
+          </a:lnRef>
+          <a:fillRef idx="0">
+            <a:schemeClr val="accent1"/>
+          </a:fillRef>
+          <a:effectRef idx="0">
+            <a:schemeClr val="accent1"/>
+          </a:effectRef>
+          <a:fontRef idx="minor">
+            <a:schemeClr val="tx1"/>
+          </a:fontRef>
+        </p:style>
+      </p:cxnSp>
+      <p:sp>
+        <p:nvSpPr>
+          <p:cNvPr id="14" name="TextBox 13">
+            <a:extLst>
+              <a:ext uri="{FF2B5EF4-FFF2-40B4-BE49-F238E27FC236}">
+                <a16:creationId xmlns:a16="http://schemas.microsoft.com/office/drawing/2014/main" id="{8BB3F833-DC85-46E8-9963-280E8EFA4B5A}"/>
+              </a:ext>
+            </a:extLst>
+          </p:cNvPr>
+          <p:cNvSpPr txBox="1"/>
+          <p:nvPr/>
+        </p:nvSpPr>
+        <p:spPr>
+          <a:xfrm>
+            <a:off x="3590790" y="1406220"/>
+            <a:ext cx="1276632" cy="646331"/>
+          </a:xfrm>
+          <a:prstGeom prst="rect">
+            <a:avLst/>
+          </a:prstGeom>
+          <a:noFill/>
+        </p:spPr>
+        <p:txBody>
+          <a:bodyPr wrap="square" rtlCol="0">
+            <a:spAutoFit/>
+          </a:bodyPr>
+          <a:lstStyle/>
+          <a:p>
+            <a:r>
+              <a:rPr lang="en-CA" dirty="0">
+                <a:solidFill>
+                  <a:schemeClr val="accent1">
+                    <a:lumMod val="60000"/>
+                    <a:lumOff val="40000"/>
+                  </a:schemeClr>
+                </a:solidFill>
+              </a:rPr>
+              <a:t>More than 1750</a:t>
+            </a:r>
+          </a:p>
+        </p:txBody>
+      </p:sp>
+      <p:sp>
+        <p:nvSpPr>
+          <p:cNvPr id="15" name="Oval 14">
+            <a:extLst>
+              <a:ext uri="{FF2B5EF4-FFF2-40B4-BE49-F238E27FC236}">
+                <a16:creationId xmlns:a16="http://schemas.microsoft.com/office/drawing/2014/main" id="{BD5E5D48-D0E1-4EB0-98EC-ABC9DAC9E6D9}"/>
+              </a:ext>
+            </a:extLst>
+          </p:cNvPr>
+          <p:cNvSpPr/>
+          <p:nvPr/>
+        </p:nvSpPr>
+        <p:spPr>
+          <a:xfrm>
+            <a:off x="5292599" y="3038622"/>
+            <a:ext cx="1012874" cy="281354"/>
+          </a:xfrm>
+          <a:prstGeom prst="ellipse">
+            <a:avLst/>
+          </a:prstGeom>
+          <a:solidFill>
+            <a:schemeClr val="accent1">
+              <a:alpha val="54000"/>
+            </a:schemeClr>
+          </a:solidFill>
+        </p:spPr>
+        <p:style>
+          <a:lnRef idx="2">
+            <a:schemeClr val="accent1">
+              <a:shade val="50000"/>
+            </a:schemeClr>
+          </a:lnRef>
+          <a:fillRef idx="1">
+            <a:schemeClr val="accent1"/>
+          </a:fillRef>
+          <a:effectRef idx="0">
+            <a:schemeClr val="accent1"/>
+          </a:effectRef>
+          <a:fontRef idx="minor">
+            <a:schemeClr val="lt1"/>
+          </a:fontRef>
+        </p:style>
+        <p:txBody>
+          <a:bodyPr rtlCol="0" anchor="ctr"/>
+          <a:lstStyle/>
+          <a:p>
+            <a:pPr algn="ctr"/>
+            <a:endParaRPr lang="en-CA"/>
+          </a:p>
+        </p:txBody>
+      </p:sp>
+      <p:cxnSp>
+        <p:nvCxnSpPr>
+          <p:cNvPr id="16" name="Straight Arrow Connector 15">
+            <a:extLst>
+              <a:ext uri="{FF2B5EF4-FFF2-40B4-BE49-F238E27FC236}">
+                <a16:creationId xmlns:a16="http://schemas.microsoft.com/office/drawing/2014/main" id="{5136C512-36DD-45EF-9115-75D8206A20CE}"/>
+              </a:ext>
+            </a:extLst>
+          </p:cNvPr>
+          <p:cNvCxnSpPr>
+            <a:cxnSpLocks/>
+            <a:stCxn id="17" idx="3"/>
+          </p:cNvCxnSpPr>
+          <p:nvPr/>
+        </p:nvCxnSpPr>
+        <p:spPr>
+          <a:xfrm>
+            <a:off x="2454736" y="2759445"/>
+            <a:ext cx="2756467" cy="399031"/>
+          </a:xfrm>
+          <a:prstGeom prst="straightConnector1">
+            <a:avLst/>
+          </a:prstGeom>
+          <a:ln>
+            <a:tailEnd type="triangle"/>
+          </a:ln>
+        </p:spPr>
+        <p:style>
+          <a:lnRef idx="1">
+            <a:schemeClr val="accent1"/>
+          </a:lnRef>
+          <a:fillRef idx="0">
+            <a:schemeClr val="accent1"/>
+          </a:fillRef>
+          <a:effectRef idx="0">
+            <a:schemeClr val="accent1"/>
+          </a:effectRef>
+          <a:fontRef idx="minor">
+            <a:schemeClr val="tx1"/>
+          </a:fontRef>
+        </p:style>
+      </p:cxnSp>
+      <p:sp>
+        <p:nvSpPr>
+          <p:cNvPr id="17" name="TextBox 16">
+            <a:extLst>
+              <a:ext uri="{FF2B5EF4-FFF2-40B4-BE49-F238E27FC236}">
+                <a16:creationId xmlns:a16="http://schemas.microsoft.com/office/drawing/2014/main" id="{B4F71ACA-2BDB-4613-8772-1426B5CE02D8}"/>
+              </a:ext>
+            </a:extLst>
+          </p:cNvPr>
+          <p:cNvSpPr txBox="1"/>
+          <p:nvPr/>
+        </p:nvSpPr>
+        <p:spPr>
+          <a:xfrm>
+            <a:off x="1178104" y="2574779"/>
+            <a:ext cx="1276632" cy="369332"/>
+          </a:xfrm>
+          <a:prstGeom prst="rect">
+            <a:avLst/>
+          </a:prstGeom>
+          <a:noFill/>
+        </p:spPr>
+        <p:txBody>
+          <a:bodyPr wrap="square" rtlCol="0">
+            <a:spAutoFit/>
+          </a:bodyPr>
+          <a:lstStyle/>
+          <a:p>
+            <a:r>
+              <a:rPr lang="en-CA" dirty="0">
+                <a:solidFill>
+                  <a:schemeClr val="accent1">
+                    <a:lumMod val="60000"/>
+                    <a:lumOff val="40000"/>
+                  </a:schemeClr>
+                </a:solidFill>
+              </a:rPr>
+              <a:t>Around 250</a:t>
+            </a:r>
+          </a:p>
+        </p:txBody>
+      </p:sp>
     </p:spTree>
     <p:extLst>
       <p:ext uri="{BB962C8B-B14F-4D97-AF65-F5344CB8AC3E}">
@@ -20083,6 +20352,222 @@
   <p:clrMapOvr>
     <a:masterClrMapping/>
   </p:clrMapOvr>
+  <p:timing>
+    <p:tnLst>
+      <p:par>
+        <p:cTn id="1" dur="indefinite" restart="never" nodeType="tmRoot">
+          <p:childTnLst>
+            <p:seq concurrent="1" nextAc="seek">
+              <p:cTn id="2" dur="indefinite" nodeType="mainSeq">
+                <p:childTnLst>
+                  <p:par>
+                    <p:cTn id="3" fill="hold">
+                      <p:stCondLst>
+                        <p:cond delay="indefinite"/>
+                      </p:stCondLst>
+                      <p:childTnLst>
+                        <p:par>
+                          <p:cTn id="4" fill="hold">
+                            <p:stCondLst>
+                              <p:cond delay="0"/>
+                            </p:stCondLst>
+                            <p:childTnLst>
+                              <p:par>
+                                <p:cTn id="5" presetID="1" presetClass="entr" presetSubtype="0" fill="hold" grpId="0" nodeType="clickEffect">
+                                  <p:stCondLst>
+                                    <p:cond delay="0"/>
+                                  </p:stCondLst>
+                                  <p:childTnLst>
+                                    <p:set>
+                                      <p:cBhvr>
+                                        <p:cTn id="6" dur="1" fill="hold">
+                                          <p:stCondLst>
+                                            <p:cond delay="0"/>
+                                          </p:stCondLst>
+                                        </p:cTn>
+                                        <p:tgtEl>
+                                          <p:spTgt spid="14"/>
+                                        </p:tgtEl>
+                                        <p:attrNameLst>
+                                          <p:attrName>style.visibility</p:attrName>
+                                        </p:attrNameLst>
+                                      </p:cBhvr>
+                                      <p:to>
+                                        <p:strVal val="visible"/>
+                                      </p:to>
+                                    </p:set>
+                                  </p:childTnLst>
+                                </p:cTn>
+                              </p:par>
+                              <p:par>
+                                <p:cTn id="7" presetID="1" presetClass="entr" presetSubtype="0" fill="hold" nodeType="withEffect">
+                                  <p:stCondLst>
+                                    <p:cond delay="0"/>
+                                  </p:stCondLst>
+                                  <p:childTnLst>
+                                    <p:set>
+                                      <p:cBhvr>
+                                        <p:cTn id="8" dur="1" fill="hold">
+                                          <p:stCondLst>
+                                            <p:cond delay="0"/>
+                                          </p:stCondLst>
+                                        </p:cTn>
+                                        <p:tgtEl>
+                                          <p:spTgt spid="12"/>
+                                        </p:tgtEl>
+                                        <p:attrNameLst>
+                                          <p:attrName>style.visibility</p:attrName>
+                                        </p:attrNameLst>
+                                      </p:cBhvr>
+                                      <p:to>
+                                        <p:strVal val="visible"/>
+                                      </p:to>
+                                    </p:set>
+                                  </p:childTnLst>
+                                </p:cTn>
+                              </p:par>
+                              <p:par>
+                                <p:cTn id="9" presetID="1" presetClass="entr" presetSubtype="0" fill="hold" grpId="0" nodeType="withEffect">
+                                  <p:stCondLst>
+                                    <p:cond delay="0"/>
+                                  </p:stCondLst>
+                                  <p:childTnLst>
+                                    <p:set>
+                                      <p:cBhvr>
+                                        <p:cTn id="10" dur="1" fill="hold">
+                                          <p:stCondLst>
+                                            <p:cond delay="0"/>
+                                          </p:stCondLst>
+                                        </p:cTn>
+                                        <p:tgtEl>
+                                          <p:spTgt spid="3"/>
+                                        </p:tgtEl>
+                                        <p:attrNameLst>
+                                          <p:attrName>style.visibility</p:attrName>
+                                        </p:attrNameLst>
+                                      </p:cBhvr>
+                                      <p:to>
+                                        <p:strVal val="visible"/>
+                                      </p:to>
+                                    </p:set>
+                                  </p:childTnLst>
+                                </p:cTn>
+                              </p:par>
+                              <p:par>
+                                <p:cTn id="11" presetID="1" presetClass="entr" presetSubtype="0" fill="hold" grpId="0" nodeType="withEffect">
+                                  <p:stCondLst>
+                                    <p:cond delay="0"/>
+                                  </p:stCondLst>
+                                  <p:childTnLst>
+                                    <p:set>
+                                      <p:cBhvr>
+                                        <p:cTn id="12" dur="1" fill="hold">
+                                          <p:stCondLst>
+                                            <p:cond delay="0"/>
+                                          </p:stCondLst>
+                                        </p:cTn>
+                                        <p:tgtEl>
+                                          <p:spTgt spid="15"/>
+                                        </p:tgtEl>
+                                        <p:attrNameLst>
+                                          <p:attrName>style.visibility</p:attrName>
+                                        </p:attrNameLst>
+                                      </p:cBhvr>
+                                      <p:to>
+                                        <p:strVal val="visible"/>
+                                      </p:to>
+                                    </p:set>
+                                  </p:childTnLst>
+                                </p:cTn>
+                              </p:par>
+                              <p:par>
+                                <p:cTn id="13" presetID="1" presetClass="entr" presetSubtype="0" fill="hold" nodeType="withEffect">
+                                  <p:stCondLst>
+                                    <p:cond delay="0"/>
+                                  </p:stCondLst>
+                                  <p:childTnLst>
+                                    <p:set>
+                                      <p:cBhvr>
+                                        <p:cTn id="14" dur="1" fill="hold">
+                                          <p:stCondLst>
+                                            <p:cond delay="0"/>
+                                          </p:stCondLst>
+                                        </p:cTn>
+                                        <p:tgtEl>
+                                          <p:spTgt spid="16"/>
+                                        </p:tgtEl>
+                                        <p:attrNameLst>
+                                          <p:attrName>style.visibility</p:attrName>
+                                        </p:attrNameLst>
+                                      </p:cBhvr>
+                                      <p:to>
+                                        <p:strVal val="visible"/>
+                                      </p:to>
+                                    </p:set>
+                                  </p:childTnLst>
+                                </p:cTn>
+                              </p:par>
+                              <p:par>
+                                <p:cTn id="15" presetID="1" presetClass="entr" presetSubtype="0" fill="hold" grpId="0" nodeType="withEffect">
+                                  <p:stCondLst>
+                                    <p:cond delay="0"/>
+                                  </p:stCondLst>
+                                  <p:childTnLst>
+                                    <p:set>
+                                      <p:cBhvr>
+                                        <p:cTn id="16" dur="1" fill="hold">
+                                          <p:stCondLst>
+                                            <p:cond delay="0"/>
+                                          </p:stCondLst>
+                                        </p:cTn>
+                                        <p:tgtEl>
+                                          <p:spTgt spid="17"/>
+                                        </p:tgtEl>
+                                        <p:attrNameLst>
+                                          <p:attrName>style.visibility</p:attrName>
+                                        </p:attrNameLst>
+                                      </p:cBhvr>
+                                      <p:to>
+                                        <p:strVal val="visible"/>
+                                      </p:to>
+                                    </p:set>
+                                  </p:childTnLst>
+                                </p:cTn>
+                              </p:par>
+                            </p:childTnLst>
+                          </p:cTn>
+                        </p:par>
+                      </p:childTnLst>
+                    </p:cTn>
+                  </p:par>
+                </p:childTnLst>
+              </p:cTn>
+              <p:prevCondLst>
+                <p:cond evt="onPrev" delay="0">
+                  <p:tgtEl>
+                    <p:sldTgt/>
+                  </p:tgtEl>
+                </p:cond>
+              </p:prevCondLst>
+              <p:nextCondLst>
+                <p:cond evt="onNext" delay="0">
+                  <p:tgtEl>
+                    <p:sldTgt/>
+                  </p:tgtEl>
+                </p:cond>
+              </p:nextCondLst>
+            </p:seq>
+          </p:childTnLst>
+        </p:cTn>
+      </p:par>
+    </p:tnLst>
+    <p:bldLst>
+      <p:bldP spid="3" grpId="0" animBg="1"/>
+      <p:bldP spid="14" grpId="0"/>
+      <p:bldP spid="15" grpId="0" animBg="1"/>
+      <p:bldP spid="17" grpId="0"/>
+    </p:bldLst>
+  </p:timing>
 </p:sld>
 </file>
 
@@ -20952,7 +21437,7 @@
           <a:p>
             <a:r>
               <a:rPr lang="en-US" sz="2000" dirty="0"/>
-              <a:t>This model is good because it keeps iterate until it gets the best results but the default iterations here are 200.</a:t>
+              <a:t>This model is good because it keeps iterate until it gets the best results but the default iterations here are 1000.</a:t>
             </a:r>
           </a:p>
         </p:txBody>
